--- a/Presentations/Computer Vision – Module 1.pptx
+++ b/Presentations/Computer Vision – Module 1.pptx
@@ -5,10 +5,10 @@
     <p:sldMasterId id="2147483648" r:id="rId1"/>
   </p:sldMasterIdLst>
   <p:notesMasterIdLst>
-    <p:notesMasterId r:id="rId11"/>
+    <p:notesMasterId r:id="rId20"/>
   </p:notesMasterIdLst>
   <p:handoutMasterIdLst>
-    <p:handoutMasterId r:id="rId12"/>
+    <p:handoutMasterId r:id="rId21"/>
   </p:handoutMasterIdLst>
   <p:sldIdLst>
     <p:sldId id="256" r:id="rId2"/>
@@ -20,6 +20,15 @@
     <p:sldId id="281" r:id="rId8"/>
     <p:sldId id="282" r:id="rId9"/>
     <p:sldId id="283" r:id="rId10"/>
+    <p:sldId id="284" r:id="rId11"/>
+    <p:sldId id="285" r:id="rId12"/>
+    <p:sldId id="286" r:id="rId13"/>
+    <p:sldId id="291" r:id="rId14"/>
+    <p:sldId id="287" r:id="rId15"/>
+    <p:sldId id="288" r:id="rId16"/>
+    <p:sldId id="289" r:id="rId17"/>
+    <p:sldId id="292" r:id="rId18"/>
+    <p:sldId id="290" r:id="rId19"/>
   </p:sldIdLst>
   <p:sldSz cx="12192000" cy="6858000"/>
   <p:notesSz cx="6858000" cy="9144000"/>
@@ -143,7 +152,7 @@
 <file path=ppt/revisionInfo.xml><?xml version="1.0" encoding="utf-8"?>
 <p1510:revInfo xmlns:a="http://schemas.openxmlformats.org/drawingml/2006/main" xmlns:r="http://schemas.openxmlformats.org/officeDocument/2006/relationships" xmlns:p1510="http://schemas.microsoft.com/office/powerpoint/2015/10/main">
   <p1510:revLst>
-    <p1510:client id="{39612B0D-43A0-494E-A4D4-1828271DDC57}" v="7" dt="2026-01-28T12:28:51.821"/>
+    <p1510:client id="{39612B0D-43A0-494E-A4D4-1828271DDC57}" v="151" dt="2026-01-29T09:48:22.889"/>
   </p1510:revLst>
 </p1510:revInfo>
 </file>
@@ -152,8 +161,8 @@
 <pc:chgInfo xmlns:a="http://schemas.openxmlformats.org/drawingml/2006/main" xmlns:r="http://schemas.openxmlformats.org/officeDocument/2006/relationships" xmlns:ac="http://schemas.microsoft.com/office/drawing/2013/main/command" xmlns:pc="http://schemas.microsoft.com/office/powerpoint/2013/main/command">
   <pc:docChgLst>
     <pc:chgData name="Sreejith Rajan" userId="ec11bca0e4bee75f" providerId="LiveId" clId="{7B4F392D-EAB3-4CE7-903E-F84869825F47}"/>
-    <pc:docChg chg="custSel addSld modSld">
-      <pc:chgData name="Sreejith Rajan" userId="ec11bca0e4bee75f" providerId="LiveId" clId="{7B4F392D-EAB3-4CE7-903E-F84869825F47}" dt="2026-01-28T12:29:00.098" v="454" actId="1076"/>
+    <pc:docChg chg="undo custSel addSld modSld sldOrd">
+      <pc:chgData name="Sreejith Rajan" userId="ec11bca0e4bee75f" providerId="LiveId" clId="{7B4F392D-EAB3-4CE7-903E-F84869825F47}" dt="2026-01-29T09:48:22.889" v="1356" actId="20577"/>
       <pc:docMkLst>
         <pc:docMk/>
       </pc:docMkLst>
@@ -265,6 +274,277 @@
           </ac:picMkLst>
         </pc:picChg>
       </pc:sldChg>
+      <pc:sldChg chg="modSp new mod">
+        <pc:chgData name="Sreejith Rajan" userId="ec11bca0e4bee75f" providerId="LiveId" clId="{7B4F392D-EAB3-4CE7-903E-F84869825F47}" dt="2026-01-29T08:26:13.028" v="673" actId="20577"/>
+        <pc:sldMkLst>
+          <pc:docMk/>
+          <pc:sldMk cId="1078901978" sldId="284"/>
+        </pc:sldMkLst>
+        <pc:spChg chg="mod">
+          <ac:chgData name="Sreejith Rajan" userId="ec11bca0e4bee75f" providerId="LiveId" clId="{7B4F392D-EAB3-4CE7-903E-F84869825F47}" dt="2026-01-29T08:22:49.645" v="507" actId="20577"/>
+          <ac:spMkLst>
+            <pc:docMk/>
+            <pc:sldMk cId="1078901978" sldId="284"/>
+            <ac:spMk id="2" creationId="{DB86669E-BD96-D32E-B9BA-7F8E7841B0C9}"/>
+          </ac:spMkLst>
+        </pc:spChg>
+        <pc:spChg chg="mod">
+          <ac:chgData name="Sreejith Rajan" userId="ec11bca0e4bee75f" providerId="LiveId" clId="{7B4F392D-EAB3-4CE7-903E-F84869825F47}" dt="2026-01-29T08:26:13.028" v="673" actId="20577"/>
+          <ac:spMkLst>
+            <pc:docMk/>
+            <pc:sldMk cId="1078901978" sldId="284"/>
+            <ac:spMk id="3" creationId="{694A62D9-96EA-6D70-E1BD-2206E6FA391A}"/>
+          </ac:spMkLst>
+        </pc:spChg>
+      </pc:sldChg>
+      <pc:sldChg chg="addSp delSp modSp new mod">
+        <pc:chgData name="Sreejith Rajan" userId="ec11bca0e4bee75f" providerId="LiveId" clId="{7B4F392D-EAB3-4CE7-903E-F84869825F47}" dt="2026-01-29T08:31:47.847" v="819" actId="20577"/>
+        <pc:sldMkLst>
+          <pc:docMk/>
+          <pc:sldMk cId="4118352869" sldId="285"/>
+        </pc:sldMkLst>
+        <pc:spChg chg="mod">
+          <ac:chgData name="Sreejith Rajan" userId="ec11bca0e4bee75f" providerId="LiveId" clId="{7B4F392D-EAB3-4CE7-903E-F84869825F47}" dt="2026-01-29T08:26:29.235" v="688" actId="20577"/>
+          <ac:spMkLst>
+            <pc:docMk/>
+            <pc:sldMk cId="4118352869" sldId="285"/>
+            <ac:spMk id="2" creationId="{57EE5E69-DBB8-9A84-901B-F8902586ED84}"/>
+          </ac:spMkLst>
+        </pc:spChg>
+        <pc:spChg chg="add del mod">
+          <ac:chgData name="Sreejith Rajan" userId="ec11bca0e4bee75f" providerId="LiveId" clId="{7B4F392D-EAB3-4CE7-903E-F84869825F47}" dt="2026-01-29T08:31:47.847" v="819" actId="20577"/>
+          <ac:spMkLst>
+            <pc:docMk/>
+            <pc:sldMk cId="4118352869" sldId="285"/>
+            <ac:spMk id="3" creationId="{5207A0A3-2CAD-9B82-BB0A-D31121435AF1}"/>
+          </ac:spMkLst>
+        </pc:spChg>
+        <pc:spChg chg="add mod">
+          <ac:chgData name="Sreejith Rajan" userId="ec11bca0e4bee75f" providerId="LiveId" clId="{7B4F392D-EAB3-4CE7-903E-F84869825F47}" dt="2026-01-29T08:26:47.248" v="690"/>
+          <ac:spMkLst>
+            <pc:docMk/>
+            <pc:sldMk cId="4118352869" sldId="285"/>
+            <ac:spMk id="4" creationId="{8301CFC0-AF12-0E77-7616-04534B70F14A}"/>
+          </ac:spMkLst>
+        </pc:spChg>
+        <pc:picChg chg="add mod">
+          <ac:chgData name="Sreejith Rajan" userId="ec11bca0e4bee75f" providerId="LiveId" clId="{7B4F392D-EAB3-4CE7-903E-F84869825F47}" dt="2026-01-29T08:29:21.543" v="718" actId="1076"/>
+          <ac:picMkLst>
+            <pc:docMk/>
+            <pc:sldMk cId="4118352869" sldId="285"/>
+            <ac:picMk id="6" creationId="{FF939A5D-87AE-E08F-A0EB-2A792D733730}"/>
+          </ac:picMkLst>
+        </pc:picChg>
+        <pc:picChg chg="add mod modCrop">
+          <ac:chgData name="Sreejith Rajan" userId="ec11bca0e4bee75f" providerId="LiveId" clId="{7B4F392D-EAB3-4CE7-903E-F84869825F47}" dt="2026-01-29T08:30:23.703" v="726" actId="14100"/>
+          <ac:picMkLst>
+            <pc:docMk/>
+            <pc:sldMk cId="4118352869" sldId="285"/>
+            <ac:picMk id="8" creationId="{EEEEDC4D-FE28-2CFA-F1F5-328088FA27CA}"/>
+          </ac:picMkLst>
+        </pc:picChg>
+      </pc:sldChg>
+      <pc:sldChg chg="addSp delSp modSp new mod">
+        <pc:chgData name="Sreejith Rajan" userId="ec11bca0e4bee75f" providerId="LiveId" clId="{7B4F392D-EAB3-4CE7-903E-F84869825F47}" dt="2026-01-29T09:28:57.892" v="850" actId="1076"/>
+        <pc:sldMkLst>
+          <pc:docMk/>
+          <pc:sldMk cId="8252786" sldId="286"/>
+        </pc:sldMkLst>
+        <pc:spChg chg="mod">
+          <ac:chgData name="Sreejith Rajan" userId="ec11bca0e4bee75f" providerId="LiveId" clId="{7B4F392D-EAB3-4CE7-903E-F84869825F47}" dt="2026-01-29T09:25:58.469" v="833" actId="20577"/>
+          <ac:spMkLst>
+            <pc:docMk/>
+            <pc:sldMk cId="8252786" sldId="286"/>
+            <ac:spMk id="2" creationId="{E1C181D6-A397-FF96-77EE-DF392A3CD488}"/>
+          </ac:spMkLst>
+        </pc:spChg>
+        <pc:spChg chg="mod">
+          <ac:chgData name="Sreejith Rajan" userId="ec11bca0e4bee75f" providerId="LiveId" clId="{7B4F392D-EAB3-4CE7-903E-F84869825F47}" dt="2026-01-29T09:26:43.747" v="841" actId="20577"/>
+          <ac:spMkLst>
+            <pc:docMk/>
+            <pc:sldMk cId="8252786" sldId="286"/>
+            <ac:spMk id="3" creationId="{BCE21B45-62C6-AF35-6F8F-4D1A75537E7E}"/>
+          </ac:spMkLst>
+        </pc:spChg>
+        <pc:picChg chg="add mod modCrop">
+          <ac:chgData name="Sreejith Rajan" userId="ec11bca0e4bee75f" providerId="LiveId" clId="{7B4F392D-EAB3-4CE7-903E-F84869825F47}" dt="2026-01-29T09:28:57.892" v="850" actId="1076"/>
+          <ac:picMkLst>
+            <pc:docMk/>
+            <pc:sldMk cId="8252786" sldId="286"/>
+            <ac:picMk id="5" creationId="{04FE6E30-ACFB-29A7-1C9E-5F230EC40A9F}"/>
+          </ac:picMkLst>
+        </pc:picChg>
+        <pc:picChg chg="add del mod">
+          <ac:chgData name="Sreejith Rajan" userId="ec11bca0e4bee75f" providerId="LiveId" clId="{7B4F392D-EAB3-4CE7-903E-F84869825F47}" dt="2026-01-29T09:28:27.215" v="849" actId="478"/>
+          <ac:picMkLst>
+            <pc:docMk/>
+            <pc:sldMk cId="8252786" sldId="286"/>
+            <ac:picMk id="7" creationId="{9253CE66-E02B-3670-9CAB-1E4F2FD2677A}"/>
+          </ac:picMkLst>
+        </pc:picChg>
+      </pc:sldChg>
+      <pc:sldChg chg="modSp new mod">
+        <pc:chgData name="Sreejith Rajan" userId="ec11bca0e4bee75f" providerId="LiveId" clId="{7B4F392D-EAB3-4CE7-903E-F84869825F47}" dt="2026-01-29T09:32:16.136" v="963" actId="20577"/>
+        <pc:sldMkLst>
+          <pc:docMk/>
+          <pc:sldMk cId="2061746392" sldId="287"/>
+        </pc:sldMkLst>
+        <pc:spChg chg="mod">
+          <ac:chgData name="Sreejith Rajan" userId="ec11bca0e4bee75f" providerId="LiveId" clId="{7B4F392D-EAB3-4CE7-903E-F84869825F47}" dt="2026-01-29T09:29:12.335" v="867" actId="20577"/>
+          <ac:spMkLst>
+            <pc:docMk/>
+            <pc:sldMk cId="2061746392" sldId="287"/>
+            <ac:spMk id="2" creationId="{3FD7936A-0E49-A77C-2A51-375E04F88356}"/>
+          </ac:spMkLst>
+        </pc:spChg>
+        <pc:spChg chg="mod">
+          <ac:chgData name="Sreejith Rajan" userId="ec11bca0e4bee75f" providerId="LiveId" clId="{7B4F392D-EAB3-4CE7-903E-F84869825F47}" dt="2026-01-29T09:32:16.136" v="963" actId="20577"/>
+          <ac:spMkLst>
+            <pc:docMk/>
+            <pc:sldMk cId="2061746392" sldId="287"/>
+            <ac:spMk id="3" creationId="{D43D2F27-11CE-5CFC-B33B-5885F64A7D3A}"/>
+          </ac:spMkLst>
+        </pc:spChg>
+      </pc:sldChg>
+      <pc:sldChg chg="addSp modSp new mod">
+        <pc:chgData name="Sreejith Rajan" userId="ec11bca0e4bee75f" providerId="LiveId" clId="{7B4F392D-EAB3-4CE7-903E-F84869825F47}" dt="2026-01-29T09:34:54.589" v="993" actId="1076"/>
+        <pc:sldMkLst>
+          <pc:docMk/>
+          <pc:sldMk cId="3650375048" sldId="288"/>
+        </pc:sldMkLst>
+        <pc:spChg chg="mod">
+          <ac:chgData name="Sreejith Rajan" userId="ec11bca0e4bee75f" providerId="LiveId" clId="{7B4F392D-EAB3-4CE7-903E-F84869825F47}" dt="2026-01-29T09:32:57.991" v="975" actId="20577"/>
+          <ac:spMkLst>
+            <pc:docMk/>
+            <pc:sldMk cId="3650375048" sldId="288"/>
+            <ac:spMk id="2" creationId="{BD28CB1F-A559-A303-4744-775851E22599}"/>
+          </ac:spMkLst>
+        </pc:spChg>
+        <pc:spChg chg="mod">
+          <ac:chgData name="Sreejith Rajan" userId="ec11bca0e4bee75f" providerId="LiveId" clId="{7B4F392D-EAB3-4CE7-903E-F84869825F47}" dt="2026-01-29T09:33:38.347" v="988" actId="20577"/>
+          <ac:spMkLst>
+            <pc:docMk/>
+            <pc:sldMk cId="3650375048" sldId="288"/>
+            <ac:spMk id="3" creationId="{F018D86A-87BE-3295-49A6-6F01471E0EF5}"/>
+          </ac:spMkLst>
+        </pc:spChg>
+        <pc:picChg chg="add mod modCrop">
+          <ac:chgData name="Sreejith Rajan" userId="ec11bca0e4bee75f" providerId="LiveId" clId="{7B4F392D-EAB3-4CE7-903E-F84869825F47}" dt="2026-01-29T09:34:54.589" v="993" actId="1076"/>
+          <ac:picMkLst>
+            <pc:docMk/>
+            <pc:sldMk cId="3650375048" sldId="288"/>
+            <ac:picMk id="5" creationId="{ED57B221-1DC5-044B-3A58-35E842DA1039}"/>
+          </ac:picMkLst>
+        </pc:picChg>
+      </pc:sldChg>
+      <pc:sldChg chg="addSp modSp new mod">
+        <pc:chgData name="Sreejith Rajan" userId="ec11bca0e4bee75f" providerId="LiveId" clId="{7B4F392D-EAB3-4CE7-903E-F84869825F47}" dt="2026-01-29T09:36:48.392" v="1016" actId="1076"/>
+        <pc:sldMkLst>
+          <pc:docMk/>
+          <pc:sldMk cId="3970158279" sldId="289"/>
+        </pc:sldMkLst>
+        <pc:spChg chg="mod">
+          <ac:chgData name="Sreejith Rajan" userId="ec11bca0e4bee75f" providerId="LiveId" clId="{7B4F392D-EAB3-4CE7-903E-F84869825F47}" dt="2026-01-29T09:35:16.838" v="1006" actId="20577"/>
+          <ac:spMkLst>
+            <pc:docMk/>
+            <pc:sldMk cId="3970158279" sldId="289"/>
+            <ac:spMk id="2" creationId="{752AED4F-3E39-26B9-1F38-43039E149EFE}"/>
+          </ac:spMkLst>
+        </pc:spChg>
+        <pc:spChg chg="mod">
+          <ac:chgData name="Sreejith Rajan" userId="ec11bca0e4bee75f" providerId="LiveId" clId="{7B4F392D-EAB3-4CE7-903E-F84869825F47}" dt="2026-01-29T09:36:12.173" v="1011" actId="20577"/>
+          <ac:spMkLst>
+            <pc:docMk/>
+            <pc:sldMk cId="3970158279" sldId="289"/>
+            <ac:spMk id="3" creationId="{3267779D-E370-25AB-0F5B-2C280D780C6C}"/>
+          </ac:spMkLst>
+        </pc:spChg>
+        <pc:picChg chg="add mod modCrop">
+          <ac:chgData name="Sreejith Rajan" userId="ec11bca0e4bee75f" providerId="LiveId" clId="{7B4F392D-EAB3-4CE7-903E-F84869825F47}" dt="2026-01-29T09:36:48.392" v="1016" actId="1076"/>
+          <ac:picMkLst>
+            <pc:docMk/>
+            <pc:sldMk cId="3970158279" sldId="289"/>
+            <ac:picMk id="5" creationId="{8D7D7D97-C763-C1C7-0F38-192171BC4804}"/>
+          </ac:picMkLst>
+        </pc:picChg>
+      </pc:sldChg>
+      <pc:sldChg chg="addSp delSp modSp new mod">
+        <pc:chgData name="Sreejith Rajan" userId="ec11bca0e4bee75f" providerId="LiveId" clId="{7B4F392D-EAB3-4CE7-903E-F84869825F47}" dt="2026-01-29T09:37:56.140" v="1038" actId="1076"/>
+        <pc:sldMkLst>
+          <pc:docMk/>
+          <pc:sldMk cId="359768088" sldId="290"/>
+        </pc:sldMkLst>
+        <pc:spChg chg="mod">
+          <ac:chgData name="Sreejith Rajan" userId="ec11bca0e4bee75f" providerId="LiveId" clId="{7B4F392D-EAB3-4CE7-903E-F84869825F47}" dt="2026-01-29T09:37:18.044" v="1031" actId="20577"/>
+          <ac:spMkLst>
+            <pc:docMk/>
+            <pc:sldMk cId="359768088" sldId="290"/>
+            <ac:spMk id="2" creationId="{3AA3F0BE-C8FB-20E5-8EE9-139CD235B75A}"/>
+          </ac:spMkLst>
+        </pc:spChg>
+        <pc:spChg chg="del">
+          <ac:chgData name="Sreejith Rajan" userId="ec11bca0e4bee75f" providerId="LiveId" clId="{7B4F392D-EAB3-4CE7-903E-F84869825F47}" dt="2026-01-29T09:37:22.239" v="1032"/>
+          <ac:spMkLst>
+            <pc:docMk/>
+            <pc:sldMk cId="359768088" sldId="290"/>
+            <ac:spMk id="3" creationId="{FAE6E361-B67A-AE7E-06B6-5539B10A50CD}"/>
+          </ac:spMkLst>
+        </pc:spChg>
+        <pc:graphicFrameChg chg="add mod modGraphic">
+          <ac:chgData name="Sreejith Rajan" userId="ec11bca0e4bee75f" providerId="LiveId" clId="{7B4F392D-EAB3-4CE7-903E-F84869825F47}" dt="2026-01-29T09:37:56.140" v="1038" actId="1076"/>
+          <ac:graphicFrameMkLst>
+            <pc:docMk/>
+            <pc:sldMk cId="359768088" sldId="290"/>
+            <ac:graphicFrameMk id="4" creationId="{B32C0619-FD52-E358-B779-3AC6682B32DA}"/>
+          </ac:graphicFrameMkLst>
+        </pc:graphicFrameChg>
+      </pc:sldChg>
+      <pc:sldChg chg="modSp new mod">
+        <pc:chgData name="Sreejith Rajan" userId="ec11bca0e4bee75f" providerId="LiveId" clId="{7B4F392D-EAB3-4CE7-903E-F84869825F47}" dt="2026-01-29T09:47:40.816" v="1347" actId="20577"/>
+        <pc:sldMkLst>
+          <pc:docMk/>
+          <pc:sldMk cId="3485488711" sldId="291"/>
+        </pc:sldMkLst>
+        <pc:spChg chg="mod">
+          <ac:chgData name="Sreejith Rajan" userId="ec11bca0e4bee75f" providerId="LiveId" clId="{7B4F392D-EAB3-4CE7-903E-F84869825F47}" dt="2026-01-29T09:39:35.521" v="1055" actId="20577"/>
+          <ac:spMkLst>
+            <pc:docMk/>
+            <pc:sldMk cId="3485488711" sldId="291"/>
+            <ac:spMk id="2" creationId="{422CC8AF-72C7-78E6-5DDE-EDAB30E54AC6}"/>
+          </ac:spMkLst>
+        </pc:spChg>
+        <pc:spChg chg="mod">
+          <ac:chgData name="Sreejith Rajan" userId="ec11bca0e4bee75f" providerId="LiveId" clId="{7B4F392D-EAB3-4CE7-903E-F84869825F47}" dt="2026-01-29T09:47:40.816" v="1347" actId="20577"/>
+          <ac:spMkLst>
+            <pc:docMk/>
+            <pc:sldMk cId="3485488711" sldId="291"/>
+            <ac:spMk id="3" creationId="{8616D05F-B51C-A5F8-851E-1C960A2D25D1}"/>
+          </ac:spMkLst>
+        </pc:spChg>
+      </pc:sldChg>
+      <pc:sldChg chg="modSp add mod ord">
+        <pc:chgData name="Sreejith Rajan" userId="ec11bca0e4bee75f" providerId="LiveId" clId="{7B4F392D-EAB3-4CE7-903E-F84869825F47}" dt="2026-01-29T09:48:22.889" v="1356" actId="20577"/>
+        <pc:sldMkLst>
+          <pc:docMk/>
+          <pc:sldMk cId="22085607" sldId="292"/>
+        </pc:sldMkLst>
+        <pc:spChg chg="mod">
+          <ac:chgData name="Sreejith Rajan" userId="ec11bca0e4bee75f" providerId="LiveId" clId="{7B4F392D-EAB3-4CE7-903E-F84869825F47}" dt="2026-01-29T09:44:40.913" v="1240" actId="20577"/>
+          <ac:spMkLst>
+            <pc:docMk/>
+            <pc:sldMk cId="22085607" sldId="292"/>
+            <ac:spMk id="2" creationId="{C3B5DD5C-E89C-9928-7828-330493D6D747}"/>
+          </ac:spMkLst>
+        </pc:spChg>
+        <pc:spChg chg="mod">
+          <ac:chgData name="Sreejith Rajan" userId="ec11bca0e4bee75f" providerId="LiveId" clId="{7B4F392D-EAB3-4CE7-903E-F84869825F47}" dt="2026-01-29T09:48:22.889" v="1356" actId="20577"/>
+          <ac:spMkLst>
+            <pc:docMk/>
+            <pc:sldMk cId="22085607" sldId="292"/>
+            <ac:spMk id="3" creationId="{9ED32EAF-8AFD-86D2-3DB3-FF3F7AE648BB}"/>
+          </ac:spMkLst>
+        </pc:spChg>
+      </pc:sldChg>
     </pc:docChg>
   </pc:docChgLst>
 </pc:chgInfo>
@@ -352,7 +632,7 @@
           <a:p>
             <a:fld id="{762B48F5-BACC-47D6-A0F7-82FBF9C6BC85}" type="datetimeFigureOut">
               <a:rPr lang="en-US"/>
-              <a:t>1/28/2026</a:t>
+              <a:t>1/29/2026</a:t>
             </a:fld>
             <a:endParaRPr/>
           </a:p>
@@ -517,7 +797,7 @@
           <a:p>
             <a:fld id="{0CB1CD00-5424-4675-AB18-2C419B060449}" type="datetimeFigureOut">
               <a:rPr lang="en-US"/>
-              <a:t>1/28/2026</a:t>
+              <a:t>1/29/2026</a:t>
             </a:fld>
             <a:endParaRPr/>
           </a:p>
@@ -1162,7 +1442,7 @@
           <a:p>
             <a:fld id="{37CC0096-1860-4642-9CD2-0079EA5E7CD1}" type="datetimeFigureOut">
               <a:rPr lang="en-US" smtClean="0"/>
-              <a:t>1/28/2026</a:t>
+              <a:t>1/29/2026</a:t>
             </a:fld>
             <a:endParaRPr lang="en-US"/>
           </a:p>
@@ -1341,7 +1621,7 @@
           <a:p>
             <a:fld id="{37CC0096-1860-4642-9CD2-0079EA5E7CD1}" type="datetimeFigureOut">
               <a:rPr lang="en-US" smtClean="0"/>
-              <a:t>1/28/2026</a:t>
+              <a:t>1/29/2026</a:t>
             </a:fld>
             <a:endParaRPr lang="en-US"/>
           </a:p>
@@ -1514,7 +1794,7 @@
           <a:p>
             <a:fld id="{37CC0096-1860-4642-9CD2-0079EA5E7CD1}" type="datetimeFigureOut">
               <a:rPr lang="en-US" smtClean="0"/>
-              <a:t>1/28/2026</a:t>
+              <a:t>1/29/2026</a:t>
             </a:fld>
             <a:endParaRPr lang="en-US"/>
           </a:p>
@@ -1947,7 +2227,7 @@
           <a:p>
             <a:fld id="{37CC0096-1860-4642-9CD2-0079EA5E7CD1}" type="datetimeFigureOut">
               <a:rPr lang="en-US" smtClean="0"/>
-              <a:t>1/28/2026</a:t>
+              <a:t>1/29/2026</a:t>
             </a:fld>
             <a:endParaRPr lang="en-US"/>
           </a:p>
@@ -2386,7 +2666,7 @@
           <a:p>
             <a:fld id="{37CC0096-1860-4642-9CD2-0079EA5E7CD1}" type="datetimeFigureOut">
               <a:rPr lang="en-US" smtClean="0"/>
-              <a:t>1/28/2026</a:t>
+              <a:t>1/29/2026</a:t>
             </a:fld>
             <a:endParaRPr lang="en-US"/>
           </a:p>
@@ -2503,7 +2783,7 @@
           <a:p>
             <a:fld id="{37CC0096-1860-4642-9CD2-0079EA5E7CD1}" type="datetimeFigureOut">
               <a:rPr lang="en-US" smtClean="0"/>
-              <a:t>1/28/2026</a:t>
+              <a:t>1/29/2026</a:t>
             </a:fld>
             <a:endParaRPr lang="en-US"/>
           </a:p>
@@ -2598,7 +2878,7 @@
           <a:p>
             <a:fld id="{37CC0096-1860-4642-9CD2-0079EA5E7CD1}" type="datetimeFigureOut">
               <a:rPr lang="en-US" smtClean="0"/>
-              <a:t>1/28/2026</a:t>
+              <a:t>1/29/2026</a:t>
             </a:fld>
             <a:endParaRPr lang="en-US"/>
           </a:p>
@@ -2882,7 +3162,7 @@
           <a:p>
             <a:fld id="{37CC0096-1860-4642-9CD2-0079EA5E7CD1}" type="datetimeFigureOut">
               <a:rPr lang="en-US" smtClean="0"/>
-              <a:t>1/28/2026</a:t>
+              <a:t>1/29/2026</a:t>
             </a:fld>
             <a:endParaRPr lang="en-US"/>
           </a:p>
@@ -3193,7 +3473,7 @@
           <a:p>
             <a:fld id="{37CC0096-1860-4642-9CD2-0079EA5E7CD1}" type="datetimeFigureOut">
               <a:rPr lang="en-US" smtClean="0"/>
-              <a:t>1/28/2026</a:t>
+              <a:t>1/29/2026</a:t>
             </a:fld>
             <a:endParaRPr lang="en-US"/>
           </a:p>
@@ -3425,7 +3705,7 @@
             <a:fld id="{37CC0096-1860-4642-9CD2-0079EA5E7CD1}" type="datetimeFigureOut">
               <a:rPr lang="en-US" smtClean="0"/>
               <a:pPr/>
-              <a:t>1/28/2026</a:t>
+              <a:t>1/29/2026</a:t>
             </a:fld>
             <a:endParaRPr lang="en-US"/>
           </a:p>
@@ -3897,6 +4177,2140 @@
     <p:extLst>
       <p:ext uri="{BB962C8B-B14F-4D97-AF65-F5344CB8AC3E}">
         <p14:creationId xmlns:p14="http://schemas.microsoft.com/office/powerpoint/2010/main" val="242453831"/>
+      </p:ext>
+    </p:extLst>
+  </p:cSld>
+  <p:clrMapOvr>
+    <a:masterClrMapping/>
+  </p:clrMapOvr>
+</p:sld>
+</file>
+
+<file path=ppt/slides/slide10.xml><?xml version="1.0" encoding="utf-8"?>
+<p:sld xmlns:a="http://schemas.openxmlformats.org/drawingml/2006/main" xmlns:r="http://schemas.openxmlformats.org/officeDocument/2006/relationships" xmlns:p="http://schemas.openxmlformats.org/presentationml/2006/main">
+  <p:cSld>
+    <p:spTree>
+      <p:nvGrpSpPr>
+        <p:cNvPr id="1" name=""/>
+        <p:cNvGrpSpPr/>
+        <p:nvPr/>
+      </p:nvGrpSpPr>
+      <p:grpSpPr>
+        <a:xfrm>
+          <a:off x="0" y="0"/>
+          <a:ext cx="0" cy="0"/>
+          <a:chOff x="0" y="0"/>
+          <a:chExt cx="0" cy="0"/>
+        </a:xfrm>
+      </p:grpSpPr>
+      <p:sp>
+        <p:nvSpPr>
+          <p:cNvPr id="2" name="Title 1">
+            <a:extLst>
+              <a:ext uri="{FF2B5EF4-FFF2-40B4-BE49-F238E27FC236}">
+                <a16:creationId xmlns:a16="http://schemas.microsoft.com/office/drawing/2014/main" id="{DB86669E-BD96-D32E-B9BA-7F8E7841B0C9}"/>
+              </a:ext>
+            </a:extLst>
+          </p:cNvPr>
+          <p:cNvSpPr>
+            <a:spLocks noGrp="1"/>
+          </p:cNvSpPr>
+          <p:nvPr>
+            <p:ph type="title"/>
+          </p:nvPr>
+        </p:nvSpPr>
+        <p:spPr/>
+        <p:txBody>
+          <a:bodyPr/>
+          <a:lstStyle/>
+          <a:p>
+            <a:r>
+              <a:rPr lang="en-IN" dirty="0"/>
+              <a:t>Gaussian Optics for Spherical Mirrors </a:t>
+            </a:r>
+          </a:p>
+        </p:txBody>
+      </p:sp>
+      <p:sp>
+        <p:nvSpPr>
+          <p:cNvPr id="3" name="Content Placeholder 2">
+            <a:extLst>
+              <a:ext uri="{FF2B5EF4-FFF2-40B4-BE49-F238E27FC236}">
+                <a16:creationId xmlns:a16="http://schemas.microsoft.com/office/drawing/2014/main" id="{694A62D9-96EA-6D70-E1BD-2206E6FA391A}"/>
+              </a:ext>
+            </a:extLst>
+          </p:cNvPr>
+          <p:cNvSpPr>
+            <a:spLocks noGrp="1"/>
+          </p:cNvSpPr>
+          <p:nvPr>
+            <p:ph idx="1"/>
+          </p:nvPr>
+        </p:nvSpPr>
+        <p:spPr/>
+        <p:txBody>
+          <a:bodyPr/>
+          <a:lstStyle/>
+          <a:p>
+            <a:r>
+              <a:rPr lang="en-IN" dirty="0"/>
+              <a:t>Concave and Convex mirrors are the simplest examples of spherical mirrors.</a:t>
+            </a:r>
+          </a:p>
+          <a:p>
+            <a:r>
+              <a:rPr lang="en-IN" dirty="0"/>
+              <a:t> Spherical mirrors can be considered as </a:t>
+            </a:r>
+            <a:r>
+              <a:rPr lang="en-US" dirty="0"/>
+              <a:t>many tiny plane mirrors placed side by side.</a:t>
+            </a:r>
+          </a:p>
+          <a:p>
+            <a:r>
+              <a:rPr lang="en-US" dirty="0"/>
+              <a:t>A normal is drawn along the radius of curvature</a:t>
+            </a:r>
+          </a:p>
+          <a:p>
+            <a:r>
+              <a:rPr lang="en-US" dirty="0"/>
+              <a:t>Reflection happens with respect to this normal</a:t>
+            </a:r>
+            <a:endParaRPr lang="en-IN" dirty="0"/>
+          </a:p>
+        </p:txBody>
+      </p:sp>
+    </p:spTree>
+    <p:extLst>
+      <p:ext uri="{BB962C8B-B14F-4D97-AF65-F5344CB8AC3E}">
+        <p14:creationId xmlns:p14="http://schemas.microsoft.com/office/powerpoint/2010/main" val="1078901978"/>
+      </p:ext>
+    </p:extLst>
+  </p:cSld>
+  <p:clrMapOvr>
+    <a:masterClrMapping/>
+  </p:clrMapOvr>
+</p:sld>
+</file>
+
+<file path=ppt/slides/slide11.xml><?xml version="1.0" encoding="utf-8"?>
+<p:sld xmlns:a="http://schemas.openxmlformats.org/drawingml/2006/main" xmlns:r="http://schemas.openxmlformats.org/officeDocument/2006/relationships" xmlns:p="http://schemas.openxmlformats.org/presentationml/2006/main">
+  <p:cSld>
+    <p:spTree>
+      <p:nvGrpSpPr>
+        <p:cNvPr id="1" name=""/>
+        <p:cNvGrpSpPr/>
+        <p:nvPr/>
+      </p:nvGrpSpPr>
+      <p:grpSpPr>
+        <a:xfrm>
+          <a:off x="0" y="0"/>
+          <a:ext cx="0" cy="0"/>
+          <a:chOff x="0" y="0"/>
+          <a:chExt cx="0" cy="0"/>
+        </a:xfrm>
+      </p:grpSpPr>
+      <p:sp>
+        <p:nvSpPr>
+          <p:cNvPr id="2" name="Title 1">
+            <a:extLst>
+              <a:ext uri="{FF2B5EF4-FFF2-40B4-BE49-F238E27FC236}">
+                <a16:creationId xmlns:a16="http://schemas.microsoft.com/office/drawing/2014/main" id="{57EE5E69-DBB8-9A84-901B-F8902586ED84}"/>
+              </a:ext>
+            </a:extLst>
+          </p:cNvPr>
+          <p:cNvSpPr>
+            <a:spLocks noGrp="1"/>
+          </p:cNvSpPr>
+          <p:nvPr>
+            <p:ph type="title"/>
+          </p:nvPr>
+        </p:nvSpPr>
+        <p:spPr/>
+        <p:txBody>
+          <a:bodyPr/>
+          <a:lstStyle/>
+          <a:p>
+            <a:r>
+              <a:rPr lang="en-IN" dirty="0"/>
+              <a:t>Concave Mirror</a:t>
+            </a:r>
+          </a:p>
+        </p:txBody>
+      </p:sp>
+      <p:sp>
+        <p:nvSpPr>
+          <p:cNvPr id="3" name="Content Placeholder 2">
+            <a:extLst>
+              <a:ext uri="{FF2B5EF4-FFF2-40B4-BE49-F238E27FC236}">
+                <a16:creationId xmlns:a16="http://schemas.microsoft.com/office/drawing/2014/main" id="{5207A0A3-2CAD-9B82-BB0A-D31121435AF1}"/>
+              </a:ext>
+            </a:extLst>
+          </p:cNvPr>
+          <p:cNvSpPr>
+            <a:spLocks noGrp="1"/>
+          </p:cNvSpPr>
+          <p:nvPr>
+            <p:ph idx="1"/>
+          </p:nvPr>
+        </p:nvSpPr>
+        <p:spPr/>
+        <p:txBody>
+          <a:bodyPr/>
+          <a:lstStyle/>
+          <a:p>
+            <a:r>
+              <a:rPr lang="en-US" dirty="0"/>
+              <a:t>Incident ray strikes the mirror at point P.</a:t>
+            </a:r>
+          </a:p>
+          <a:p>
+            <a:r>
+              <a:rPr lang="en-US" dirty="0"/>
+              <a:t>Normal is drawn through the </a:t>
+            </a:r>
+            <a:r>
+              <a:rPr lang="en-US" dirty="0" err="1"/>
+              <a:t>centre</a:t>
+            </a:r>
+            <a:r>
+              <a:rPr lang="en-US" dirty="0"/>
+              <a:t> of curvature (C).</a:t>
+            </a:r>
+          </a:p>
+          <a:p>
+            <a:r>
+              <a:rPr lang="en-US" dirty="0"/>
+              <a:t>Reflected ray makes an equal angle with the normal.</a:t>
+            </a:r>
+          </a:p>
+          <a:p>
+            <a:r>
+              <a:rPr lang="en-US" dirty="0"/>
+              <a:t>Multiple reflected rays converge to the focus.</a:t>
+            </a:r>
+          </a:p>
+          <a:p>
+            <a:r>
+              <a:rPr lang="en-US" dirty="0"/>
+              <a:t>Golden rule for mirrors: Angle of incidence(</a:t>
+            </a:r>
+            <a:r>
+              <a:rPr lang="en-US" dirty="0" err="1"/>
+              <a:t>i</a:t>
+            </a:r>
+            <a:r>
+              <a:rPr lang="en-US" dirty="0"/>
+              <a:t>) = Angle of </a:t>
+            </a:r>
+          </a:p>
+          <a:p>
+            <a:pPr marL="0" indent="0">
+              <a:buNone/>
+            </a:pPr>
+            <a:r>
+              <a:rPr lang="en-US" dirty="0"/>
+              <a:t>    Reflection (r)</a:t>
+            </a:r>
+            <a:endParaRPr lang="en-IN" dirty="0"/>
+          </a:p>
+        </p:txBody>
+      </p:sp>
+      <p:pic>
+        <p:nvPicPr>
+          <p:cNvPr id="6" name="Picture 5">
+            <a:extLst>
+              <a:ext uri="{FF2B5EF4-FFF2-40B4-BE49-F238E27FC236}">
+                <a16:creationId xmlns:a16="http://schemas.microsoft.com/office/drawing/2014/main" id="{FF939A5D-87AE-E08F-A0EB-2A792D733730}"/>
+              </a:ext>
+            </a:extLst>
+          </p:cNvPr>
+          <p:cNvPicPr>
+            <a:picLocks noChangeAspect="1"/>
+          </p:cNvPicPr>
+          <p:nvPr/>
+        </p:nvPicPr>
+        <p:blipFill>
+          <a:blip r:embed="rId2">
+            <a:extLst>
+              <a:ext uri="{28A0092B-C50C-407E-A947-70E740481C1C}">
+                <a14:useLocalDpi xmlns:a14="http://schemas.microsoft.com/office/drawing/2010/main" val="0"/>
+              </a:ext>
+            </a:extLst>
+          </a:blip>
+          <a:stretch>
+            <a:fillRect/>
+          </a:stretch>
+        </p:blipFill>
+        <p:spPr>
+          <a:xfrm>
+            <a:off x="7968208" y="620688"/>
+            <a:ext cx="3888432" cy="2674397"/>
+          </a:xfrm>
+          <a:prstGeom prst="rect">
+            <a:avLst/>
+          </a:prstGeom>
+        </p:spPr>
+      </p:pic>
+      <p:pic>
+        <p:nvPicPr>
+          <p:cNvPr id="8" name="Picture 7">
+            <a:extLst>
+              <a:ext uri="{FF2B5EF4-FFF2-40B4-BE49-F238E27FC236}">
+                <a16:creationId xmlns:a16="http://schemas.microsoft.com/office/drawing/2014/main" id="{EEEEDC4D-FE28-2CFA-F1F5-328088FA27CA}"/>
+              </a:ext>
+            </a:extLst>
+          </p:cNvPr>
+          <p:cNvPicPr>
+            <a:picLocks noChangeAspect="1"/>
+          </p:cNvPicPr>
+          <p:nvPr/>
+        </p:nvPicPr>
+        <p:blipFill>
+          <a:blip r:embed="rId3">
+            <a:extLst>
+              <a:ext uri="{28A0092B-C50C-407E-A947-70E740481C1C}">
+                <a14:useLocalDpi xmlns:a14="http://schemas.microsoft.com/office/drawing/2010/main" val="0"/>
+              </a:ext>
+            </a:extLst>
+          </a:blip>
+          <a:srcRect l="17791" t="3801" r="18492" b="12201"/>
+          <a:stretch>
+            <a:fillRect/>
+          </a:stretch>
+        </p:blipFill>
+        <p:spPr>
+          <a:xfrm>
+            <a:off x="7962546" y="3295085"/>
+            <a:ext cx="3888432" cy="3418401"/>
+          </a:xfrm>
+          <a:prstGeom prst="rect">
+            <a:avLst/>
+          </a:prstGeom>
+        </p:spPr>
+      </p:pic>
+    </p:spTree>
+    <p:extLst>
+      <p:ext uri="{BB962C8B-B14F-4D97-AF65-F5344CB8AC3E}">
+        <p14:creationId xmlns:p14="http://schemas.microsoft.com/office/powerpoint/2010/main" val="4118352869"/>
+      </p:ext>
+    </p:extLst>
+  </p:cSld>
+  <p:clrMapOvr>
+    <a:masterClrMapping/>
+  </p:clrMapOvr>
+</p:sld>
+</file>
+
+<file path=ppt/slides/slide12.xml><?xml version="1.0" encoding="utf-8"?>
+<p:sld xmlns:a="http://schemas.openxmlformats.org/drawingml/2006/main" xmlns:r="http://schemas.openxmlformats.org/officeDocument/2006/relationships" xmlns:p="http://schemas.openxmlformats.org/presentationml/2006/main">
+  <p:cSld>
+    <p:spTree>
+      <p:nvGrpSpPr>
+        <p:cNvPr id="1" name=""/>
+        <p:cNvGrpSpPr/>
+        <p:nvPr/>
+      </p:nvGrpSpPr>
+      <p:grpSpPr>
+        <a:xfrm>
+          <a:off x="0" y="0"/>
+          <a:ext cx="0" cy="0"/>
+          <a:chOff x="0" y="0"/>
+          <a:chExt cx="0" cy="0"/>
+        </a:xfrm>
+      </p:grpSpPr>
+      <p:sp>
+        <p:nvSpPr>
+          <p:cNvPr id="2" name="Title 1">
+            <a:extLst>
+              <a:ext uri="{FF2B5EF4-FFF2-40B4-BE49-F238E27FC236}">
+                <a16:creationId xmlns:a16="http://schemas.microsoft.com/office/drawing/2014/main" id="{E1C181D6-A397-FF96-77EE-DF392A3CD488}"/>
+              </a:ext>
+            </a:extLst>
+          </p:cNvPr>
+          <p:cNvSpPr>
+            <a:spLocks noGrp="1"/>
+          </p:cNvSpPr>
+          <p:nvPr>
+            <p:ph type="title"/>
+          </p:nvPr>
+        </p:nvSpPr>
+        <p:spPr/>
+        <p:txBody>
+          <a:bodyPr/>
+          <a:lstStyle/>
+          <a:p>
+            <a:r>
+              <a:rPr lang="en-IN" dirty="0"/>
+              <a:t>Convex Mirror</a:t>
+            </a:r>
+          </a:p>
+        </p:txBody>
+      </p:sp>
+      <p:sp>
+        <p:nvSpPr>
+          <p:cNvPr id="3" name="Content Placeholder 2">
+            <a:extLst>
+              <a:ext uri="{FF2B5EF4-FFF2-40B4-BE49-F238E27FC236}">
+                <a16:creationId xmlns:a16="http://schemas.microsoft.com/office/drawing/2014/main" id="{BCE21B45-62C6-AF35-6F8F-4D1A75537E7E}"/>
+              </a:ext>
+            </a:extLst>
+          </p:cNvPr>
+          <p:cNvSpPr>
+            <a:spLocks noGrp="1"/>
+          </p:cNvSpPr>
+          <p:nvPr>
+            <p:ph idx="1"/>
+          </p:nvPr>
+        </p:nvSpPr>
+        <p:spPr/>
+        <p:txBody>
+          <a:bodyPr/>
+          <a:lstStyle/>
+          <a:p>
+            <a:r>
+              <a:rPr lang="en-IN" dirty="0"/>
+              <a:t>Incident ray hits curved surface</a:t>
+            </a:r>
+          </a:p>
+          <a:p>
+            <a:r>
+              <a:rPr lang="en-IN" dirty="0"/>
+              <a:t>Normal again passes through centre of curvature</a:t>
+            </a:r>
+          </a:p>
+          <a:p>
+            <a:r>
+              <a:rPr lang="en-IN" dirty="0"/>
+              <a:t>Reflection obeys 𝑖=𝑟</a:t>
+            </a:r>
+          </a:p>
+          <a:p>
+            <a:r>
+              <a:rPr lang="en-IN" dirty="0"/>
+              <a:t>Reflected rays diverge</a:t>
+            </a:r>
+          </a:p>
+          <a:p>
+            <a:r>
+              <a:rPr lang="en-IN" dirty="0"/>
+              <a:t>Extensions meet at a virtual focus behind mirror</a:t>
+            </a:r>
+          </a:p>
+        </p:txBody>
+      </p:sp>
+      <p:pic>
+        <p:nvPicPr>
+          <p:cNvPr id="5" name="Picture 4">
+            <a:extLst>
+              <a:ext uri="{FF2B5EF4-FFF2-40B4-BE49-F238E27FC236}">
+                <a16:creationId xmlns:a16="http://schemas.microsoft.com/office/drawing/2014/main" id="{04FE6E30-ACFB-29A7-1C9E-5F230EC40A9F}"/>
+              </a:ext>
+            </a:extLst>
+          </p:cNvPr>
+          <p:cNvPicPr>
+            <a:picLocks noChangeAspect="1"/>
+          </p:cNvPicPr>
+          <p:nvPr/>
+        </p:nvPicPr>
+        <p:blipFill>
+          <a:blip r:embed="rId2">
+            <a:extLst>
+              <a:ext uri="{28A0092B-C50C-407E-A947-70E740481C1C}">
+                <a14:useLocalDpi xmlns:a14="http://schemas.microsoft.com/office/drawing/2010/main" val="0"/>
+              </a:ext>
+            </a:extLst>
+          </a:blip>
+          <a:srcRect t="14299" b="2751"/>
+          <a:stretch>
+            <a:fillRect/>
+          </a:stretch>
+        </p:blipFill>
+        <p:spPr>
+          <a:xfrm>
+            <a:off x="7824192" y="1600200"/>
+            <a:ext cx="3908771" cy="3168352"/>
+          </a:xfrm>
+          <a:prstGeom prst="rect">
+            <a:avLst/>
+          </a:prstGeom>
+        </p:spPr>
+      </p:pic>
+    </p:spTree>
+    <p:extLst>
+      <p:ext uri="{BB962C8B-B14F-4D97-AF65-F5344CB8AC3E}">
+        <p14:creationId xmlns:p14="http://schemas.microsoft.com/office/powerpoint/2010/main" val="8252786"/>
+      </p:ext>
+    </p:extLst>
+  </p:cSld>
+  <p:clrMapOvr>
+    <a:masterClrMapping/>
+  </p:clrMapOvr>
+</p:sld>
+</file>
+
+<file path=ppt/slides/slide13.xml><?xml version="1.0" encoding="utf-8"?>
+<p:sld xmlns:a="http://schemas.openxmlformats.org/drawingml/2006/main" xmlns:r="http://schemas.openxmlformats.org/officeDocument/2006/relationships" xmlns:p="http://schemas.openxmlformats.org/presentationml/2006/main">
+  <p:cSld>
+    <p:spTree>
+      <p:nvGrpSpPr>
+        <p:cNvPr id="1" name=""/>
+        <p:cNvGrpSpPr/>
+        <p:nvPr/>
+      </p:nvGrpSpPr>
+      <p:grpSpPr>
+        <a:xfrm>
+          <a:off x="0" y="0"/>
+          <a:ext cx="0" cy="0"/>
+          <a:chOff x="0" y="0"/>
+          <a:chExt cx="0" cy="0"/>
+        </a:xfrm>
+      </p:grpSpPr>
+      <p:sp>
+        <p:nvSpPr>
+          <p:cNvPr id="2" name="Title 1">
+            <a:extLst>
+              <a:ext uri="{FF2B5EF4-FFF2-40B4-BE49-F238E27FC236}">
+                <a16:creationId xmlns:a16="http://schemas.microsoft.com/office/drawing/2014/main" id="{422CC8AF-72C7-78E6-5DDE-EDAB30E54AC6}"/>
+              </a:ext>
+            </a:extLst>
+          </p:cNvPr>
+          <p:cNvSpPr>
+            <a:spLocks noGrp="1"/>
+          </p:cNvSpPr>
+          <p:nvPr>
+            <p:ph type="title"/>
+          </p:nvPr>
+        </p:nvSpPr>
+        <p:spPr/>
+        <p:txBody>
+          <a:bodyPr/>
+          <a:lstStyle/>
+          <a:p>
+            <a:r>
+              <a:rPr lang="en-IN" dirty="0"/>
+              <a:t>Mirror Equations</a:t>
+            </a:r>
+          </a:p>
+        </p:txBody>
+      </p:sp>
+      <mc:AlternateContent xmlns:mc="http://schemas.openxmlformats.org/markup-compatibility/2006">
+        <mc:Choice xmlns:a14="http://schemas.microsoft.com/office/drawing/2010/main" Requires="a14">
+          <p:sp>
+            <p:nvSpPr>
+              <p:cNvPr id="3" name="Content Placeholder 2">
+                <a:extLst>
+                  <a:ext uri="{FF2B5EF4-FFF2-40B4-BE49-F238E27FC236}">
+                    <a16:creationId xmlns:a16="http://schemas.microsoft.com/office/drawing/2014/main" id="{8616D05F-B51C-A5F8-851E-1C960A2D25D1}"/>
+                  </a:ext>
+                </a:extLst>
+              </p:cNvPr>
+              <p:cNvSpPr>
+                <a:spLocks noGrp="1"/>
+              </p:cNvSpPr>
+              <p:nvPr>
+                <p:ph idx="1"/>
+              </p:nvPr>
+            </p:nvSpPr>
+            <p:spPr/>
+            <p:txBody>
+              <a:bodyPr/>
+              <a:lstStyle/>
+              <a:p>
+                <a14:m>
+                  <m:oMath xmlns:m="http://schemas.openxmlformats.org/officeDocument/2006/math">
+                    <m:f>
+                      <m:fPr>
+                        <m:ctrlPr>
+                          <a:rPr lang="en-IN" i="1" smtClean="0">
+                            <a:latin typeface="Cambria Math" panose="02040503050406030204" pitchFamily="18" charset="0"/>
+                          </a:rPr>
+                        </m:ctrlPr>
+                      </m:fPr>
+                      <m:num>
+                        <m:r>
+                          <a:rPr lang="en-IN" b="0" i="1" smtClean="0">
+                            <a:latin typeface="Cambria Math" panose="02040503050406030204" pitchFamily="18" charset="0"/>
+                          </a:rPr>
+                          <m:t>1</m:t>
+                        </m:r>
+                      </m:num>
+                      <m:den>
+                        <m:r>
+                          <a:rPr lang="en-IN" b="0" i="1" smtClean="0">
+                            <a:latin typeface="Cambria Math" panose="02040503050406030204" pitchFamily="18" charset="0"/>
+                          </a:rPr>
+                          <m:t>𝑓</m:t>
+                        </m:r>
+                      </m:den>
+                    </m:f>
+                  </m:oMath>
+                </a14:m>
+                <a:r>
+                  <a:rPr lang="en-IN" dirty="0"/>
+                  <a:t> = </a:t>
+                </a:r>
+                <a14:m>
+                  <m:oMath xmlns:m="http://schemas.openxmlformats.org/officeDocument/2006/math">
+                    <m:f>
+                      <m:fPr>
+                        <m:ctrlPr>
+                          <a:rPr lang="en-IN" i="1" smtClean="0">
+                            <a:latin typeface="Cambria Math" panose="02040503050406030204" pitchFamily="18" charset="0"/>
+                          </a:rPr>
+                        </m:ctrlPr>
+                      </m:fPr>
+                      <m:num>
+                        <m:r>
+                          <a:rPr lang="en-IN" b="0" i="1" smtClean="0">
+                            <a:latin typeface="Cambria Math" panose="02040503050406030204" pitchFamily="18" charset="0"/>
+                          </a:rPr>
+                          <m:t>1</m:t>
+                        </m:r>
+                      </m:num>
+                      <m:den>
+                        <m:r>
+                          <a:rPr lang="en-IN" b="0" i="1" smtClean="0">
+                            <a:latin typeface="Cambria Math" panose="02040503050406030204" pitchFamily="18" charset="0"/>
+                          </a:rPr>
+                          <m:t>𝑣</m:t>
+                        </m:r>
+                      </m:den>
+                    </m:f>
+                  </m:oMath>
+                </a14:m>
+                <a:r>
+                  <a:rPr lang="en-IN" dirty="0"/>
+                  <a:t> +  </a:t>
+                </a:r>
+                <a14:m>
+                  <m:oMath xmlns:m="http://schemas.openxmlformats.org/officeDocument/2006/math">
+                    <m:f>
+                      <m:fPr>
+                        <m:ctrlPr>
+                          <a:rPr lang="en-IN" i="1">
+                            <a:latin typeface="Cambria Math" panose="02040503050406030204" pitchFamily="18" charset="0"/>
+                          </a:rPr>
+                        </m:ctrlPr>
+                      </m:fPr>
+                      <m:num>
+                        <m:r>
+                          <a:rPr lang="en-IN" b="0" i="1" smtClean="0">
+                            <a:latin typeface="Cambria Math" panose="02040503050406030204" pitchFamily="18" charset="0"/>
+                          </a:rPr>
+                          <m:t>1</m:t>
+                        </m:r>
+                      </m:num>
+                      <m:den>
+                        <m:r>
+                          <a:rPr lang="en-IN" b="0" i="1" smtClean="0">
+                            <a:latin typeface="Cambria Math" panose="02040503050406030204" pitchFamily="18" charset="0"/>
+                          </a:rPr>
+                          <m:t>𝑢</m:t>
+                        </m:r>
+                      </m:den>
+                    </m:f>
+                  </m:oMath>
+                </a14:m>
+                <a:r>
+                  <a:rPr lang="en-IN" dirty="0"/>
+                  <a:t> </a:t>
+                </a:r>
+              </a:p>
+              <a:p>
+                <a14:m>
+                  <m:oMath xmlns:m="http://schemas.openxmlformats.org/officeDocument/2006/math">
+                    <m:r>
+                      <a:rPr lang="en-IN" b="0" i="1" smtClean="0">
+                        <a:latin typeface="Cambria Math" panose="02040503050406030204" pitchFamily="18" charset="0"/>
+                      </a:rPr>
+                      <m:t>𝑓</m:t>
+                    </m:r>
+                  </m:oMath>
+                </a14:m>
+                <a:r>
+                  <a:rPr lang="en-IN" dirty="0"/>
+                  <a:t> =focal length</a:t>
+                </a:r>
+              </a:p>
+              <a:p>
+                <a14:m>
+                  <m:oMath xmlns:m="http://schemas.openxmlformats.org/officeDocument/2006/math">
+                    <m:r>
+                      <a:rPr lang="en-IN" b="0" i="1" smtClean="0">
+                        <a:latin typeface="Cambria Math" panose="02040503050406030204" pitchFamily="18" charset="0"/>
+                      </a:rPr>
+                      <m:t>𝑣</m:t>
+                    </m:r>
+                  </m:oMath>
+                </a14:m>
+                <a:r>
+                  <a:rPr lang="en-IN" dirty="0"/>
+                  <a:t>= image distance from pole</a:t>
+                </a:r>
+              </a:p>
+              <a:p>
+                <a14:m>
+                  <m:oMath xmlns:m="http://schemas.openxmlformats.org/officeDocument/2006/math">
+                    <m:r>
+                      <a:rPr lang="en-IN" b="0" i="1" smtClean="0">
+                        <a:latin typeface="Cambria Math" panose="02040503050406030204" pitchFamily="18" charset="0"/>
+                      </a:rPr>
+                      <m:t>𝑢</m:t>
+                    </m:r>
+                  </m:oMath>
+                </a14:m>
+                <a:r>
+                  <a:rPr lang="en-IN" dirty="0"/>
+                  <a:t>= object distance from pole </a:t>
+                </a:r>
+              </a:p>
+              <a:p>
+                <a:r>
+                  <a:rPr lang="en-IN" dirty="0"/>
+                  <a:t>Magnification, </a:t>
+                </a:r>
+                <a14:m>
+                  <m:oMath xmlns:m="http://schemas.openxmlformats.org/officeDocument/2006/math">
+                    <m:r>
+                      <a:rPr lang="en-IN" b="0" i="1" smtClean="0">
+                        <a:latin typeface="Cambria Math" panose="02040503050406030204" pitchFamily="18" charset="0"/>
+                      </a:rPr>
+                      <m:t>𝑚</m:t>
+                    </m:r>
+                    <m:r>
+                      <a:rPr lang="en-IN" b="0" i="1" smtClean="0">
+                        <a:latin typeface="Cambria Math" panose="02040503050406030204" pitchFamily="18" charset="0"/>
+                      </a:rPr>
+                      <m:t>=</m:t>
+                    </m:r>
+                    <m:f>
+                      <m:fPr>
+                        <m:ctrlPr>
+                          <a:rPr lang="en-IN" b="0" i="1" smtClean="0">
+                            <a:latin typeface="Cambria Math" panose="02040503050406030204" pitchFamily="18" charset="0"/>
+                          </a:rPr>
+                        </m:ctrlPr>
+                      </m:fPr>
+                      <m:num>
+                        <m:r>
+                          <a:rPr lang="en-IN" b="0" i="1" smtClean="0">
+                            <a:latin typeface="Cambria Math" panose="02040503050406030204" pitchFamily="18" charset="0"/>
+                          </a:rPr>
+                          <m:t>h𝑖</m:t>
+                        </m:r>
+                      </m:num>
+                      <m:den>
+                        <m:r>
+                          <a:rPr lang="en-IN" b="0" i="1" smtClean="0">
+                            <a:latin typeface="Cambria Math" panose="02040503050406030204" pitchFamily="18" charset="0"/>
+                          </a:rPr>
+                          <m:t>h𝑜</m:t>
+                        </m:r>
+                      </m:den>
+                    </m:f>
+                    <m:r>
+                      <a:rPr lang="en-IN" b="0" i="1" smtClean="0">
+                        <a:latin typeface="Cambria Math" panose="02040503050406030204" pitchFamily="18" charset="0"/>
+                      </a:rPr>
+                      <m:t>=</m:t>
+                    </m:r>
+                    <m:f>
+                      <m:fPr>
+                        <m:ctrlPr>
+                          <a:rPr lang="en-IN" b="0" i="1" smtClean="0">
+                            <a:latin typeface="Cambria Math" panose="02040503050406030204" pitchFamily="18" charset="0"/>
+                          </a:rPr>
+                        </m:ctrlPr>
+                      </m:fPr>
+                      <m:num>
+                        <m:r>
+                          <a:rPr lang="en-IN" b="0" i="1" smtClean="0">
+                            <a:latin typeface="Cambria Math" panose="02040503050406030204" pitchFamily="18" charset="0"/>
+                          </a:rPr>
+                          <m:t>−</m:t>
+                        </m:r>
+                        <m:r>
+                          <a:rPr lang="en-IN" b="0" i="1" smtClean="0">
+                            <a:latin typeface="Cambria Math" panose="02040503050406030204" pitchFamily="18" charset="0"/>
+                          </a:rPr>
+                          <m:t>𝑣</m:t>
+                        </m:r>
+                      </m:num>
+                      <m:den>
+                        <m:r>
+                          <a:rPr lang="en-IN" b="0" i="1" smtClean="0">
+                            <a:latin typeface="Cambria Math" panose="02040503050406030204" pitchFamily="18" charset="0"/>
+                          </a:rPr>
+                          <m:t>𝑢</m:t>
+                        </m:r>
+                      </m:den>
+                    </m:f>
+                  </m:oMath>
+                </a14:m>
+                <a:endParaRPr lang="en-IN" dirty="0"/>
+              </a:p>
+              <a:p>
+                <a:r>
+                  <a:rPr lang="en-IN" dirty="0" err="1"/>
+                  <a:t>Spcial</a:t>
+                </a:r>
+                <a:r>
+                  <a:rPr lang="en-IN" dirty="0"/>
+                  <a:t> Relation : </a:t>
+                </a:r>
+                <a14:m>
+                  <m:oMath xmlns:m="http://schemas.openxmlformats.org/officeDocument/2006/math">
+                    <m:r>
+                      <a:rPr lang="en-IN" b="0" i="1" smtClean="0">
+                        <a:latin typeface="Cambria Math" panose="02040503050406030204" pitchFamily="18" charset="0"/>
+                      </a:rPr>
+                      <m:t>𝑓</m:t>
+                    </m:r>
+                    <m:r>
+                      <a:rPr lang="en-IN" b="0" i="1" smtClean="0">
+                        <a:latin typeface="Cambria Math" panose="02040503050406030204" pitchFamily="18" charset="0"/>
+                      </a:rPr>
+                      <m:t>=</m:t>
+                    </m:r>
+                    <m:f>
+                      <m:fPr>
+                        <m:ctrlPr>
+                          <a:rPr lang="en-IN" b="0" i="1" smtClean="0">
+                            <a:latin typeface="Cambria Math" panose="02040503050406030204" pitchFamily="18" charset="0"/>
+                          </a:rPr>
+                        </m:ctrlPr>
+                      </m:fPr>
+                      <m:num>
+                        <m:r>
+                          <a:rPr lang="en-IN" b="0" i="1" smtClean="0">
+                            <a:latin typeface="Cambria Math" panose="02040503050406030204" pitchFamily="18" charset="0"/>
+                          </a:rPr>
+                          <m:t>𝑅</m:t>
+                        </m:r>
+                      </m:num>
+                      <m:den>
+                        <m:r>
+                          <a:rPr lang="en-IN" b="0" i="1" smtClean="0">
+                            <a:latin typeface="Cambria Math" panose="02040503050406030204" pitchFamily="18" charset="0"/>
+                          </a:rPr>
+                          <m:t>2</m:t>
+                        </m:r>
+                      </m:den>
+                    </m:f>
+                  </m:oMath>
+                </a14:m>
+                <a:r>
+                  <a:rPr lang="en-IN" dirty="0"/>
+                  <a:t> , where R =Radius of curvature of the mirror</a:t>
+                </a:r>
+              </a:p>
+            </p:txBody>
+          </p:sp>
+        </mc:Choice>
+        <mc:Fallback>
+          <p:sp>
+            <p:nvSpPr>
+              <p:cNvPr id="3" name="Content Placeholder 2">
+                <a:extLst>
+                  <a:ext uri="{FF2B5EF4-FFF2-40B4-BE49-F238E27FC236}">
+                    <a16:creationId xmlns:a16="http://schemas.microsoft.com/office/drawing/2014/main" id="{8616D05F-B51C-A5F8-851E-1C960A2D25D1}"/>
+                  </a:ext>
+                </a:extLst>
+              </p:cNvPr>
+              <p:cNvSpPr>
+                <a:spLocks noGrp="1" noRot="1" noChangeAspect="1" noMove="1" noResize="1" noEditPoints="1" noAdjustHandles="1" noChangeArrowheads="1" noChangeShapeType="1" noTextEdit="1"/>
+              </p:cNvSpPr>
+              <p:nvPr>
+                <p:ph idx="1"/>
+              </p:nvPr>
+            </p:nvSpPr>
+            <p:spPr>
+              <a:blipFill>
+                <a:blip r:embed="rId2"/>
+                <a:stretch>
+                  <a:fillRect l="-600"/>
+                </a:stretch>
+              </a:blipFill>
+            </p:spPr>
+            <p:txBody>
+              <a:bodyPr/>
+              <a:lstStyle/>
+              <a:p>
+                <a:r>
+                  <a:rPr lang="en-IN">
+                    <a:noFill/>
+                  </a:rPr>
+                  <a:t> </a:t>
+                </a:r>
+              </a:p>
+            </p:txBody>
+          </p:sp>
+        </mc:Fallback>
+      </mc:AlternateContent>
+    </p:spTree>
+    <p:extLst>
+      <p:ext uri="{BB962C8B-B14F-4D97-AF65-F5344CB8AC3E}">
+        <p14:creationId xmlns:p14="http://schemas.microsoft.com/office/powerpoint/2010/main" val="3485488711"/>
+      </p:ext>
+    </p:extLst>
+  </p:cSld>
+  <p:clrMapOvr>
+    <a:masterClrMapping/>
+  </p:clrMapOvr>
+</p:sld>
+</file>
+
+<file path=ppt/slides/slide14.xml><?xml version="1.0" encoding="utf-8"?>
+<p:sld xmlns:a="http://schemas.openxmlformats.org/drawingml/2006/main" xmlns:r="http://schemas.openxmlformats.org/officeDocument/2006/relationships" xmlns:p="http://schemas.openxmlformats.org/presentationml/2006/main">
+  <p:cSld>
+    <p:spTree>
+      <p:nvGrpSpPr>
+        <p:cNvPr id="1" name=""/>
+        <p:cNvGrpSpPr/>
+        <p:nvPr/>
+      </p:nvGrpSpPr>
+      <p:grpSpPr>
+        <a:xfrm>
+          <a:off x="0" y="0"/>
+          <a:ext cx="0" cy="0"/>
+          <a:chOff x="0" y="0"/>
+          <a:chExt cx="0" cy="0"/>
+        </a:xfrm>
+      </p:grpSpPr>
+      <p:sp>
+        <p:nvSpPr>
+          <p:cNvPr id="2" name="Title 1">
+            <a:extLst>
+              <a:ext uri="{FF2B5EF4-FFF2-40B4-BE49-F238E27FC236}">
+                <a16:creationId xmlns:a16="http://schemas.microsoft.com/office/drawing/2014/main" id="{3FD7936A-0E49-A77C-2A51-375E04F88356}"/>
+              </a:ext>
+            </a:extLst>
+          </p:cNvPr>
+          <p:cNvSpPr>
+            <a:spLocks noGrp="1"/>
+          </p:cNvSpPr>
+          <p:nvPr>
+            <p:ph type="title"/>
+          </p:nvPr>
+        </p:nvSpPr>
+        <p:spPr/>
+        <p:txBody>
+          <a:bodyPr/>
+          <a:lstStyle/>
+          <a:p>
+            <a:r>
+              <a:rPr lang="en-IN" dirty="0"/>
+              <a:t>Spherical Lenses</a:t>
+            </a:r>
+          </a:p>
+        </p:txBody>
+      </p:sp>
+      <p:sp>
+        <p:nvSpPr>
+          <p:cNvPr id="3" name="Content Placeholder 2">
+            <a:extLst>
+              <a:ext uri="{FF2B5EF4-FFF2-40B4-BE49-F238E27FC236}">
+                <a16:creationId xmlns:a16="http://schemas.microsoft.com/office/drawing/2014/main" id="{D43D2F27-11CE-5CFC-B33B-5885F64A7D3A}"/>
+              </a:ext>
+            </a:extLst>
+          </p:cNvPr>
+          <p:cNvSpPr>
+            <a:spLocks noGrp="1"/>
+          </p:cNvSpPr>
+          <p:nvPr>
+            <p:ph idx="1"/>
+          </p:nvPr>
+        </p:nvSpPr>
+        <p:spPr/>
+        <p:txBody>
+          <a:bodyPr/>
+          <a:lstStyle/>
+          <a:p>
+            <a:r>
+              <a:rPr lang="en-IN" dirty="0"/>
+              <a:t>Lenses Obey Snell’s law of refraction</a:t>
+            </a:r>
+          </a:p>
+          <a:p>
+            <a:r>
+              <a:rPr lang="en-IN" dirty="0"/>
+              <a:t>n</a:t>
+            </a:r>
+            <a:r>
+              <a:rPr lang="en-IN" baseline="-25000" dirty="0"/>
+              <a:t>1</a:t>
+            </a:r>
+            <a:r>
+              <a:rPr lang="en-IN" dirty="0"/>
+              <a:t>sin </a:t>
+            </a:r>
+            <a:r>
+              <a:rPr lang="en-IN" dirty="0" err="1"/>
+              <a:t>i</a:t>
+            </a:r>
+            <a:r>
+              <a:rPr lang="en-IN" dirty="0"/>
+              <a:t>=n</a:t>
+            </a:r>
+            <a:r>
+              <a:rPr lang="en-IN" baseline="-25000" dirty="0"/>
+              <a:t>2</a:t>
+            </a:r>
+            <a:r>
+              <a:rPr lang="en-IN" dirty="0"/>
+              <a:t>sinr</a:t>
+            </a:r>
+          </a:p>
+          <a:p>
+            <a:r>
+              <a:rPr lang="en-US" dirty="0"/>
+              <a:t>This applies at </a:t>
+            </a:r>
+            <a:r>
+              <a:rPr lang="en-US" b="1" dirty="0"/>
+              <a:t>each refracting surface</a:t>
+            </a:r>
+            <a:r>
+              <a:rPr lang="en-US" dirty="0"/>
+              <a:t> of the lens.</a:t>
+            </a:r>
+          </a:p>
+          <a:p>
+            <a:r>
+              <a:rPr lang="en-US" dirty="0"/>
+              <a:t>Why lenses bend light</a:t>
+            </a:r>
+          </a:p>
+          <a:p>
+            <a:pPr lvl="1"/>
+            <a:r>
+              <a:rPr lang="en-US" dirty="0"/>
+              <a:t>Light enters glass → slows down → bends towards normal</a:t>
+            </a:r>
+          </a:p>
+          <a:p>
+            <a:pPr lvl="1"/>
+            <a:r>
+              <a:rPr lang="en-US" dirty="0"/>
+              <a:t>Light exits glass → speeds up → bends away from normal</a:t>
+            </a:r>
+          </a:p>
+          <a:p>
+            <a:pPr lvl="1"/>
+            <a:r>
+              <a:rPr lang="en-US" dirty="0"/>
+              <a:t>Net result: convergence or divergence</a:t>
+            </a:r>
+            <a:endParaRPr lang="en-IN" dirty="0"/>
+          </a:p>
+        </p:txBody>
+      </p:sp>
+    </p:spTree>
+    <p:extLst>
+      <p:ext uri="{BB962C8B-B14F-4D97-AF65-F5344CB8AC3E}">
+        <p14:creationId xmlns:p14="http://schemas.microsoft.com/office/powerpoint/2010/main" val="2061746392"/>
+      </p:ext>
+    </p:extLst>
+  </p:cSld>
+  <p:clrMapOvr>
+    <a:masterClrMapping/>
+  </p:clrMapOvr>
+</p:sld>
+</file>
+
+<file path=ppt/slides/slide15.xml><?xml version="1.0" encoding="utf-8"?>
+<p:sld xmlns:a="http://schemas.openxmlformats.org/drawingml/2006/main" xmlns:r="http://schemas.openxmlformats.org/officeDocument/2006/relationships" xmlns:p="http://schemas.openxmlformats.org/presentationml/2006/main">
+  <p:cSld>
+    <p:spTree>
+      <p:nvGrpSpPr>
+        <p:cNvPr id="1" name=""/>
+        <p:cNvGrpSpPr/>
+        <p:nvPr/>
+      </p:nvGrpSpPr>
+      <p:grpSpPr>
+        <a:xfrm>
+          <a:off x="0" y="0"/>
+          <a:ext cx="0" cy="0"/>
+          <a:chOff x="0" y="0"/>
+          <a:chExt cx="0" cy="0"/>
+        </a:xfrm>
+      </p:grpSpPr>
+      <p:sp>
+        <p:nvSpPr>
+          <p:cNvPr id="2" name="Title 1">
+            <a:extLst>
+              <a:ext uri="{FF2B5EF4-FFF2-40B4-BE49-F238E27FC236}">
+                <a16:creationId xmlns:a16="http://schemas.microsoft.com/office/drawing/2014/main" id="{BD28CB1F-A559-A303-4744-775851E22599}"/>
+              </a:ext>
+            </a:extLst>
+          </p:cNvPr>
+          <p:cNvSpPr>
+            <a:spLocks noGrp="1"/>
+          </p:cNvSpPr>
+          <p:nvPr>
+            <p:ph type="title"/>
+          </p:nvPr>
+        </p:nvSpPr>
+        <p:spPr/>
+        <p:txBody>
+          <a:bodyPr/>
+          <a:lstStyle/>
+          <a:p>
+            <a:r>
+              <a:rPr lang="en-IN" dirty="0"/>
+              <a:t>Convex lens</a:t>
+            </a:r>
+          </a:p>
+        </p:txBody>
+      </p:sp>
+      <p:sp>
+        <p:nvSpPr>
+          <p:cNvPr id="3" name="Content Placeholder 2">
+            <a:extLst>
+              <a:ext uri="{FF2B5EF4-FFF2-40B4-BE49-F238E27FC236}">
+                <a16:creationId xmlns:a16="http://schemas.microsoft.com/office/drawing/2014/main" id="{F018D86A-87BE-3295-49A6-6F01471E0EF5}"/>
+              </a:ext>
+            </a:extLst>
+          </p:cNvPr>
+          <p:cNvSpPr>
+            <a:spLocks noGrp="1"/>
+          </p:cNvSpPr>
+          <p:nvPr>
+            <p:ph idx="1"/>
+          </p:nvPr>
+        </p:nvSpPr>
+        <p:spPr/>
+        <p:txBody>
+          <a:bodyPr/>
+          <a:lstStyle/>
+          <a:p>
+            <a:r>
+              <a:rPr lang="en-US" dirty="0"/>
+              <a:t>Ray enters lens from air to glass → refracts towards normal</a:t>
+            </a:r>
+          </a:p>
+          <a:p>
+            <a:r>
+              <a:rPr lang="en-US" dirty="0"/>
+              <a:t>Ray exits glass to air → refracts away from normal</a:t>
+            </a:r>
+          </a:p>
+          <a:p>
+            <a:r>
+              <a:rPr lang="en-US" dirty="0"/>
+              <a:t>Due to curved surfaces, rays converge</a:t>
+            </a:r>
+          </a:p>
+          <a:p>
+            <a:r>
+              <a:rPr lang="en-US" dirty="0"/>
+              <a:t>Rays meet at the real focus on the opposite side</a:t>
+            </a:r>
+            <a:endParaRPr lang="en-IN" dirty="0"/>
+          </a:p>
+        </p:txBody>
+      </p:sp>
+      <p:pic>
+        <p:nvPicPr>
+          <p:cNvPr id="5" name="Picture 4">
+            <a:extLst>
+              <a:ext uri="{FF2B5EF4-FFF2-40B4-BE49-F238E27FC236}">
+                <a16:creationId xmlns:a16="http://schemas.microsoft.com/office/drawing/2014/main" id="{ED57B221-1DC5-044B-3A58-35E842DA1039}"/>
+              </a:ext>
+            </a:extLst>
+          </p:cNvPr>
+          <p:cNvPicPr>
+            <a:picLocks noChangeAspect="1"/>
+          </p:cNvPicPr>
+          <p:nvPr/>
+        </p:nvPicPr>
+        <p:blipFill>
+          <a:blip r:embed="rId2">
+            <a:extLst>
+              <a:ext uri="{28A0092B-C50C-407E-A947-70E740481C1C}">
+                <a14:useLocalDpi xmlns:a14="http://schemas.microsoft.com/office/drawing/2010/main" val="0"/>
+              </a:ext>
+            </a:extLst>
+          </a:blip>
+          <a:srcRect l="13086" r="10779" b="54614"/>
+          <a:stretch>
+            <a:fillRect/>
+          </a:stretch>
+        </p:blipFill>
+        <p:spPr>
+          <a:xfrm>
+            <a:off x="7248128" y="2780928"/>
+            <a:ext cx="4752528" cy="2833120"/>
+          </a:xfrm>
+          <a:prstGeom prst="rect">
+            <a:avLst/>
+          </a:prstGeom>
+        </p:spPr>
+      </p:pic>
+    </p:spTree>
+    <p:extLst>
+      <p:ext uri="{BB962C8B-B14F-4D97-AF65-F5344CB8AC3E}">
+        <p14:creationId xmlns:p14="http://schemas.microsoft.com/office/powerpoint/2010/main" val="3650375048"/>
+      </p:ext>
+    </p:extLst>
+  </p:cSld>
+  <p:clrMapOvr>
+    <a:masterClrMapping/>
+  </p:clrMapOvr>
+</p:sld>
+</file>
+
+<file path=ppt/slides/slide16.xml><?xml version="1.0" encoding="utf-8"?>
+<p:sld xmlns:a="http://schemas.openxmlformats.org/drawingml/2006/main" xmlns:r="http://schemas.openxmlformats.org/officeDocument/2006/relationships" xmlns:p="http://schemas.openxmlformats.org/presentationml/2006/main">
+  <p:cSld>
+    <p:spTree>
+      <p:nvGrpSpPr>
+        <p:cNvPr id="1" name=""/>
+        <p:cNvGrpSpPr/>
+        <p:nvPr/>
+      </p:nvGrpSpPr>
+      <p:grpSpPr>
+        <a:xfrm>
+          <a:off x="0" y="0"/>
+          <a:ext cx="0" cy="0"/>
+          <a:chOff x="0" y="0"/>
+          <a:chExt cx="0" cy="0"/>
+        </a:xfrm>
+      </p:grpSpPr>
+      <p:sp>
+        <p:nvSpPr>
+          <p:cNvPr id="2" name="Title 1">
+            <a:extLst>
+              <a:ext uri="{FF2B5EF4-FFF2-40B4-BE49-F238E27FC236}">
+                <a16:creationId xmlns:a16="http://schemas.microsoft.com/office/drawing/2014/main" id="{752AED4F-3E39-26B9-1F38-43039E149EFE}"/>
+              </a:ext>
+            </a:extLst>
+          </p:cNvPr>
+          <p:cNvSpPr>
+            <a:spLocks noGrp="1"/>
+          </p:cNvSpPr>
+          <p:nvPr>
+            <p:ph type="title"/>
+          </p:nvPr>
+        </p:nvSpPr>
+        <p:spPr/>
+        <p:txBody>
+          <a:bodyPr/>
+          <a:lstStyle/>
+          <a:p>
+            <a:r>
+              <a:rPr lang="en-IN" dirty="0"/>
+              <a:t>Concave Lens</a:t>
+            </a:r>
+          </a:p>
+        </p:txBody>
+      </p:sp>
+      <p:sp>
+        <p:nvSpPr>
+          <p:cNvPr id="3" name="Content Placeholder 2">
+            <a:extLst>
+              <a:ext uri="{FF2B5EF4-FFF2-40B4-BE49-F238E27FC236}">
+                <a16:creationId xmlns:a16="http://schemas.microsoft.com/office/drawing/2014/main" id="{3267779D-E370-25AB-0F5B-2C280D780C6C}"/>
+              </a:ext>
+            </a:extLst>
+          </p:cNvPr>
+          <p:cNvSpPr>
+            <a:spLocks noGrp="1"/>
+          </p:cNvSpPr>
+          <p:nvPr>
+            <p:ph idx="1"/>
+          </p:nvPr>
+        </p:nvSpPr>
+        <p:spPr/>
+        <p:txBody>
+          <a:bodyPr/>
+          <a:lstStyle/>
+          <a:p>
+            <a:r>
+              <a:rPr lang="en-US" dirty="0"/>
+              <a:t>Refraction at first surface causes divergence</a:t>
+            </a:r>
+          </a:p>
+          <a:p>
+            <a:r>
+              <a:rPr lang="en-US" dirty="0"/>
+              <a:t>Second refraction increases divergence</a:t>
+            </a:r>
+          </a:p>
+          <a:p>
+            <a:r>
+              <a:rPr lang="en-US" dirty="0"/>
+              <a:t>Rays appear to come from a virtual focus</a:t>
+            </a:r>
+          </a:p>
+          <a:p>
+            <a:r>
+              <a:rPr lang="en-US" dirty="0"/>
+              <a:t>Image is always virtual and diminished</a:t>
+            </a:r>
+            <a:endParaRPr lang="en-IN" dirty="0"/>
+          </a:p>
+        </p:txBody>
+      </p:sp>
+      <p:pic>
+        <p:nvPicPr>
+          <p:cNvPr id="5" name="Picture 4">
+            <a:extLst>
+              <a:ext uri="{FF2B5EF4-FFF2-40B4-BE49-F238E27FC236}">
+                <a16:creationId xmlns:a16="http://schemas.microsoft.com/office/drawing/2014/main" id="{8D7D7D97-C763-C1C7-0F38-192171BC4804}"/>
+              </a:ext>
+            </a:extLst>
+          </p:cNvPr>
+          <p:cNvPicPr>
+            <a:picLocks noChangeAspect="1"/>
+          </p:cNvPicPr>
+          <p:nvPr/>
+        </p:nvPicPr>
+        <p:blipFill>
+          <a:blip r:embed="rId2">
+            <a:extLst>
+              <a:ext uri="{28A0092B-C50C-407E-A947-70E740481C1C}">
+                <a14:useLocalDpi xmlns:a14="http://schemas.microsoft.com/office/drawing/2010/main" val="0"/>
+              </a:ext>
+            </a:extLst>
+          </a:blip>
+          <a:srcRect l="7318" t="44232" r="13086"/>
+          <a:stretch>
+            <a:fillRect/>
+          </a:stretch>
+        </p:blipFill>
+        <p:spPr>
+          <a:xfrm>
+            <a:off x="6888088" y="1484784"/>
+            <a:ext cx="4968552" cy="3481192"/>
+          </a:xfrm>
+          <a:prstGeom prst="rect">
+            <a:avLst/>
+          </a:prstGeom>
+        </p:spPr>
+      </p:pic>
+    </p:spTree>
+    <p:extLst>
+      <p:ext uri="{BB962C8B-B14F-4D97-AF65-F5344CB8AC3E}">
+        <p14:creationId xmlns:p14="http://schemas.microsoft.com/office/powerpoint/2010/main" val="3970158279"/>
+      </p:ext>
+    </p:extLst>
+  </p:cSld>
+  <p:clrMapOvr>
+    <a:masterClrMapping/>
+  </p:clrMapOvr>
+</p:sld>
+</file>
+
+<file path=ppt/slides/slide17.xml><?xml version="1.0" encoding="utf-8"?>
+<p:sld xmlns:a="http://schemas.openxmlformats.org/drawingml/2006/main" xmlns:r="http://schemas.openxmlformats.org/officeDocument/2006/relationships" xmlns:p="http://schemas.openxmlformats.org/presentationml/2006/main">
+  <p:cSld>
+    <p:spTree>
+      <p:nvGrpSpPr>
+        <p:cNvPr id="1" name="">
+          <a:extLst>
+            <a:ext uri="{FF2B5EF4-FFF2-40B4-BE49-F238E27FC236}">
+              <a16:creationId xmlns:a16="http://schemas.microsoft.com/office/drawing/2014/main" id="{8D57915A-8FFF-1E7B-DF74-D845A26595BA}"/>
+            </a:ext>
+          </a:extLst>
+        </p:cNvPr>
+        <p:cNvGrpSpPr/>
+        <p:nvPr/>
+      </p:nvGrpSpPr>
+      <p:grpSpPr>
+        <a:xfrm>
+          <a:off x="0" y="0"/>
+          <a:ext cx="0" cy="0"/>
+          <a:chOff x="0" y="0"/>
+          <a:chExt cx="0" cy="0"/>
+        </a:xfrm>
+      </p:grpSpPr>
+      <p:sp>
+        <p:nvSpPr>
+          <p:cNvPr id="2" name="Title 1">
+            <a:extLst>
+              <a:ext uri="{FF2B5EF4-FFF2-40B4-BE49-F238E27FC236}">
+                <a16:creationId xmlns:a16="http://schemas.microsoft.com/office/drawing/2014/main" id="{C3B5DD5C-E89C-9928-7828-330493D6D747}"/>
+              </a:ext>
+            </a:extLst>
+          </p:cNvPr>
+          <p:cNvSpPr>
+            <a:spLocks noGrp="1"/>
+          </p:cNvSpPr>
+          <p:nvPr>
+            <p:ph type="title"/>
+          </p:nvPr>
+        </p:nvSpPr>
+        <p:spPr/>
+        <p:txBody>
+          <a:bodyPr/>
+          <a:lstStyle/>
+          <a:p>
+            <a:r>
+              <a:rPr lang="en-IN" dirty="0"/>
+              <a:t>Lens Equations</a:t>
+            </a:r>
+          </a:p>
+        </p:txBody>
+      </p:sp>
+      <mc:AlternateContent xmlns:mc="http://schemas.openxmlformats.org/markup-compatibility/2006">
+        <mc:Choice xmlns:a14="http://schemas.microsoft.com/office/drawing/2010/main" Requires="a14">
+          <p:sp>
+            <p:nvSpPr>
+              <p:cNvPr id="3" name="Content Placeholder 2">
+                <a:extLst>
+                  <a:ext uri="{FF2B5EF4-FFF2-40B4-BE49-F238E27FC236}">
+                    <a16:creationId xmlns:a16="http://schemas.microsoft.com/office/drawing/2014/main" id="{9ED32EAF-8AFD-86D2-3DB3-FF3F7AE648BB}"/>
+                  </a:ext>
+                </a:extLst>
+              </p:cNvPr>
+              <p:cNvSpPr>
+                <a:spLocks noGrp="1"/>
+              </p:cNvSpPr>
+              <p:nvPr>
+                <p:ph idx="1"/>
+              </p:nvPr>
+            </p:nvSpPr>
+            <p:spPr/>
+            <p:txBody>
+              <a:bodyPr/>
+              <a:lstStyle/>
+              <a:p>
+                <a14:m>
+                  <m:oMath xmlns:m="http://schemas.openxmlformats.org/officeDocument/2006/math">
+                    <m:f>
+                      <m:fPr>
+                        <m:ctrlPr>
+                          <a:rPr lang="en-IN" i="1" smtClean="0">
+                            <a:latin typeface="Cambria Math" panose="02040503050406030204" pitchFamily="18" charset="0"/>
+                          </a:rPr>
+                        </m:ctrlPr>
+                      </m:fPr>
+                      <m:num>
+                        <m:r>
+                          <a:rPr lang="en-IN" b="0" i="1" smtClean="0">
+                            <a:latin typeface="Cambria Math" panose="02040503050406030204" pitchFamily="18" charset="0"/>
+                          </a:rPr>
+                          <m:t>1</m:t>
+                        </m:r>
+                      </m:num>
+                      <m:den>
+                        <m:r>
+                          <a:rPr lang="en-IN" b="0" i="1" smtClean="0">
+                            <a:latin typeface="Cambria Math" panose="02040503050406030204" pitchFamily="18" charset="0"/>
+                          </a:rPr>
+                          <m:t>𝑓</m:t>
+                        </m:r>
+                      </m:den>
+                    </m:f>
+                  </m:oMath>
+                </a14:m>
+                <a:r>
+                  <a:rPr lang="en-IN" dirty="0"/>
+                  <a:t> = </a:t>
+                </a:r>
+                <a14:m>
+                  <m:oMath xmlns:m="http://schemas.openxmlformats.org/officeDocument/2006/math">
+                    <m:f>
+                      <m:fPr>
+                        <m:ctrlPr>
+                          <a:rPr lang="en-IN" i="1" smtClean="0">
+                            <a:latin typeface="Cambria Math" panose="02040503050406030204" pitchFamily="18" charset="0"/>
+                          </a:rPr>
+                        </m:ctrlPr>
+                      </m:fPr>
+                      <m:num>
+                        <m:r>
+                          <a:rPr lang="en-IN" b="0" i="1" smtClean="0">
+                            <a:latin typeface="Cambria Math" panose="02040503050406030204" pitchFamily="18" charset="0"/>
+                          </a:rPr>
+                          <m:t>1</m:t>
+                        </m:r>
+                      </m:num>
+                      <m:den>
+                        <m:r>
+                          <a:rPr lang="en-IN" b="0" i="1" smtClean="0">
+                            <a:latin typeface="Cambria Math" panose="02040503050406030204" pitchFamily="18" charset="0"/>
+                          </a:rPr>
+                          <m:t>𝑣</m:t>
+                        </m:r>
+                      </m:den>
+                    </m:f>
+                  </m:oMath>
+                </a14:m>
+                <a:r>
+                  <a:rPr lang="en-IN" dirty="0"/>
+                  <a:t> -  </a:t>
+                </a:r>
+                <a14:m>
+                  <m:oMath xmlns:m="http://schemas.openxmlformats.org/officeDocument/2006/math">
+                    <m:f>
+                      <m:fPr>
+                        <m:ctrlPr>
+                          <a:rPr lang="en-IN" i="1">
+                            <a:latin typeface="Cambria Math" panose="02040503050406030204" pitchFamily="18" charset="0"/>
+                          </a:rPr>
+                        </m:ctrlPr>
+                      </m:fPr>
+                      <m:num>
+                        <m:r>
+                          <a:rPr lang="en-IN" b="0" i="1" smtClean="0">
+                            <a:latin typeface="Cambria Math" panose="02040503050406030204" pitchFamily="18" charset="0"/>
+                          </a:rPr>
+                          <m:t>1</m:t>
+                        </m:r>
+                      </m:num>
+                      <m:den>
+                        <m:r>
+                          <a:rPr lang="en-IN" b="0" i="1" smtClean="0">
+                            <a:latin typeface="Cambria Math" panose="02040503050406030204" pitchFamily="18" charset="0"/>
+                          </a:rPr>
+                          <m:t>𝑢</m:t>
+                        </m:r>
+                      </m:den>
+                    </m:f>
+                  </m:oMath>
+                </a14:m>
+                <a:r>
+                  <a:rPr lang="en-IN" dirty="0"/>
+                  <a:t> </a:t>
+                </a:r>
+              </a:p>
+              <a:p>
+                <a14:m>
+                  <m:oMath xmlns:m="http://schemas.openxmlformats.org/officeDocument/2006/math">
+                    <m:r>
+                      <a:rPr lang="en-IN" b="0" i="1" smtClean="0">
+                        <a:latin typeface="Cambria Math" panose="02040503050406030204" pitchFamily="18" charset="0"/>
+                      </a:rPr>
+                      <m:t>𝑓</m:t>
+                    </m:r>
+                  </m:oMath>
+                </a14:m>
+                <a:r>
+                  <a:rPr lang="en-IN" dirty="0"/>
+                  <a:t> =focal length</a:t>
+                </a:r>
+              </a:p>
+              <a:p>
+                <a14:m>
+                  <m:oMath xmlns:m="http://schemas.openxmlformats.org/officeDocument/2006/math">
+                    <m:r>
+                      <a:rPr lang="en-IN" b="0" i="1" smtClean="0">
+                        <a:latin typeface="Cambria Math" panose="02040503050406030204" pitchFamily="18" charset="0"/>
+                      </a:rPr>
+                      <m:t>𝑣</m:t>
+                    </m:r>
+                  </m:oMath>
+                </a14:m>
+                <a:r>
+                  <a:rPr lang="en-IN" dirty="0"/>
+                  <a:t>= image distance from pole</a:t>
+                </a:r>
+              </a:p>
+              <a:p>
+                <a14:m>
+                  <m:oMath xmlns:m="http://schemas.openxmlformats.org/officeDocument/2006/math">
+                    <m:r>
+                      <a:rPr lang="en-IN" b="0" i="1" smtClean="0">
+                        <a:latin typeface="Cambria Math" panose="02040503050406030204" pitchFamily="18" charset="0"/>
+                      </a:rPr>
+                      <m:t>𝑢</m:t>
+                    </m:r>
+                  </m:oMath>
+                </a14:m>
+                <a:r>
+                  <a:rPr lang="en-IN" dirty="0"/>
+                  <a:t>= object distance from pole </a:t>
+                </a:r>
+              </a:p>
+              <a:p>
+                <a:r>
+                  <a:rPr lang="en-IN" dirty="0"/>
+                  <a:t>Magnification </a:t>
+                </a:r>
+                <a14:m>
+                  <m:oMath xmlns:m="http://schemas.openxmlformats.org/officeDocument/2006/math">
+                    <m:r>
+                      <a:rPr lang="en-IN" b="0" i="1" smtClean="0">
+                        <a:latin typeface="Cambria Math" panose="02040503050406030204" pitchFamily="18" charset="0"/>
+                      </a:rPr>
+                      <m:t>𝑚</m:t>
+                    </m:r>
+                    <m:r>
+                      <a:rPr lang="en-IN" b="0" i="1" smtClean="0">
+                        <a:latin typeface="Cambria Math" panose="02040503050406030204" pitchFamily="18" charset="0"/>
+                      </a:rPr>
+                      <m:t>=</m:t>
+                    </m:r>
+                    <m:f>
+                      <m:fPr>
+                        <m:ctrlPr>
+                          <a:rPr lang="en-IN" b="0" i="1" smtClean="0">
+                            <a:latin typeface="Cambria Math" panose="02040503050406030204" pitchFamily="18" charset="0"/>
+                          </a:rPr>
+                        </m:ctrlPr>
+                      </m:fPr>
+                      <m:num>
+                        <m:r>
+                          <a:rPr lang="en-IN" b="0" i="1" smtClean="0">
+                            <a:latin typeface="Cambria Math" panose="02040503050406030204" pitchFamily="18" charset="0"/>
+                          </a:rPr>
+                          <m:t>h𝑖</m:t>
+                        </m:r>
+                      </m:num>
+                      <m:den>
+                        <m:r>
+                          <a:rPr lang="en-IN" b="0" i="1" smtClean="0">
+                            <a:latin typeface="Cambria Math" panose="02040503050406030204" pitchFamily="18" charset="0"/>
+                          </a:rPr>
+                          <m:t>h𝑜</m:t>
+                        </m:r>
+                      </m:den>
+                    </m:f>
+                    <m:r>
+                      <a:rPr lang="en-IN" b="0" i="1" smtClean="0">
+                        <a:latin typeface="Cambria Math" panose="02040503050406030204" pitchFamily="18" charset="0"/>
+                      </a:rPr>
+                      <m:t>=</m:t>
+                    </m:r>
+                    <m:f>
+                      <m:fPr>
+                        <m:ctrlPr>
+                          <a:rPr lang="en-IN" b="0" i="1" smtClean="0">
+                            <a:latin typeface="Cambria Math" panose="02040503050406030204" pitchFamily="18" charset="0"/>
+                          </a:rPr>
+                        </m:ctrlPr>
+                      </m:fPr>
+                      <m:num>
+                        <m:r>
+                          <a:rPr lang="en-IN" b="0" i="1" smtClean="0">
+                            <a:latin typeface="Cambria Math" panose="02040503050406030204" pitchFamily="18" charset="0"/>
+                          </a:rPr>
+                          <m:t>𝑣</m:t>
+                        </m:r>
+                      </m:num>
+                      <m:den>
+                        <m:r>
+                          <a:rPr lang="en-IN" b="0" i="1" smtClean="0">
+                            <a:latin typeface="Cambria Math" panose="02040503050406030204" pitchFamily="18" charset="0"/>
+                          </a:rPr>
+                          <m:t>𝑢</m:t>
+                        </m:r>
+                      </m:den>
+                    </m:f>
+                  </m:oMath>
+                </a14:m>
+                <a:endParaRPr lang="en-IN" dirty="0"/>
+              </a:p>
+            </p:txBody>
+          </p:sp>
+        </mc:Choice>
+        <mc:Fallback>
+          <p:sp>
+            <p:nvSpPr>
+              <p:cNvPr id="3" name="Content Placeholder 2">
+                <a:extLst>
+                  <a:ext uri="{FF2B5EF4-FFF2-40B4-BE49-F238E27FC236}">
+                    <a16:creationId xmlns:a16="http://schemas.microsoft.com/office/drawing/2014/main" id="{9ED32EAF-8AFD-86D2-3DB3-FF3F7AE648BB}"/>
+                  </a:ext>
+                </a:extLst>
+              </p:cNvPr>
+              <p:cNvSpPr>
+                <a:spLocks noGrp="1" noRot="1" noChangeAspect="1" noMove="1" noResize="1" noEditPoints="1" noAdjustHandles="1" noChangeArrowheads="1" noChangeShapeType="1" noTextEdit="1"/>
+              </p:cNvSpPr>
+              <p:nvPr>
+                <p:ph idx="1"/>
+              </p:nvPr>
+            </p:nvSpPr>
+            <p:spPr>
+              <a:blipFill>
+                <a:blip r:embed="rId2"/>
+                <a:stretch>
+                  <a:fillRect l="-600"/>
+                </a:stretch>
+              </a:blipFill>
+            </p:spPr>
+            <p:txBody>
+              <a:bodyPr/>
+              <a:lstStyle/>
+              <a:p>
+                <a:r>
+                  <a:rPr lang="en-IN">
+                    <a:noFill/>
+                  </a:rPr>
+                  <a:t> </a:t>
+                </a:r>
+              </a:p>
+            </p:txBody>
+          </p:sp>
+        </mc:Fallback>
+      </mc:AlternateContent>
+    </p:spTree>
+    <p:extLst>
+      <p:ext uri="{BB962C8B-B14F-4D97-AF65-F5344CB8AC3E}">
+        <p14:creationId xmlns:p14="http://schemas.microsoft.com/office/powerpoint/2010/main" val="22085607"/>
+      </p:ext>
+    </p:extLst>
+  </p:cSld>
+  <p:clrMapOvr>
+    <a:masterClrMapping/>
+  </p:clrMapOvr>
+</p:sld>
+</file>
+
+<file path=ppt/slides/slide18.xml><?xml version="1.0" encoding="utf-8"?>
+<p:sld xmlns:a="http://schemas.openxmlformats.org/drawingml/2006/main" xmlns:r="http://schemas.openxmlformats.org/officeDocument/2006/relationships" xmlns:p="http://schemas.openxmlformats.org/presentationml/2006/main">
+  <p:cSld>
+    <p:spTree>
+      <p:nvGrpSpPr>
+        <p:cNvPr id="1" name=""/>
+        <p:cNvGrpSpPr/>
+        <p:nvPr/>
+      </p:nvGrpSpPr>
+      <p:grpSpPr>
+        <a:xfrm>
+          <a:off x="0" y="0"/>
+          <a:ext cx="0" cy="0"/>
+          <a:chOff x="0" y="0"/>
+          <a:chExt cx="0" cy="0"/>
+        </a:xfrm>
+      </p:grpSpPr>
+      <p:sp>
+        <p:nvSpPr>
+          <p:cNvPr id="2" name="Title 1">
+            <a:extLst>
+              <a:ext uri="{FF2B5EF4-FFF2-40B4-BE49-F238E27FC236}">
+                <a16:creationId xmlns:a16="http://schemas.microsoft.com/office/drawing/2014/main" id="{3AA3F0BE-C8FB-20E5-8EE9-139CD235B75A}"/>
+              </a:ext>
+            </a:extLst>
+          </p:cNvPr>
+          <p:cNvSpPr>
+            <a:spLocks noGrp="1"/>
+          </p:cNvSpPr>
+          <p:nvPr>
+            <p:ph type="title"/>
+          </p:nvPr>
+        </p:nvSpPr>
+        <p:spPr/>
+        <p:txBody>
+          <a:bodyPr/>
+          <a:lstStyle/>
+          <a:p>
+            <a:r>
+              <a:rPr lang="en-IN" dirty="0"/>
+              <a:t>Lens vs Mirror</a:t>
+            </a:r>
+          </a:p>
+        </p:txBody>
+      </p:sp>
+      <p:graphicFrame>
+        <p:nvGraphicFramePr>
+          <p:cNvPr id="4" name="Content Placeholder 3">
+            <a:extLst>
+              <a:ext uri="{FF2B5EF4-FFF2-40B4-BE49-F238E27FC236}">
+                <a16:creationId xmlns:a16="http://schemas.microsoft.com/office/drawing/2014/main" id="{B32C0619-FD52-E358-B779-3AC6682B32DA}"/>
+              </a:ext>
+            </a:extLst>
+          </p:cNvPr>
+          <p:cNvGraphicFramePr>
+            <a:graphicFrameLocks noGrp="1"/>
+          </p:cNvGraphicFramePr>
+          <p:nvPr>
+            <p:ph idx="1"/>
+            <p:extLst>
+              <p:ext uri="{D42A27DB-BD31-4B8C-83A1-F6EECF244321}">
+                <p14:modId xmlns:p14="http://schemas.microsoft.com/office/powerpoint/2010/main" val="4032567638"/>
+              </p:ext>
+            </p:extLst>
+          </p:nvPr>
+        </p:nvGraphicFramePr>
+        <p:xfrm>
+          <a:off x="1546067" y="1844824"/>
+          <a:ext cx="9144000" cy="2436090"/>
+        </p:xfrm>
+        <a:graphic>
+          <a:graphicData uri="http://schemas.openxmlformats.org/drawingml/2006/table">
+            <a:tbl>
+              <a:tblPr>
+                <a:tableStyleId>{3C2FFA5D-87B4-456A-9821-1D502468CF0F}</a:tableStyleId>
+              </a:tblPr>
+              <a:tblGrid>
+                <a:gridCol w="3048000">
+                  <a:extLst>
+                    <a:ext uri="{9D8B030D-6E8A-4147-A177-3AD203B41FA5}">
+                      <a16:colId xmlns:a16="http://schemas.microsoft.com/office/drawing/2014/main" val="3547986313"/>
+                    </a:ext>
+                  </a:extLst>
+                </a:gridCol>
+                <a:gridCol w="3048000">
+                  <a:extLst>
+                    <a:ext uri="{9D8B030D-6E8A-4147-A177-3AD203B41FA5}">
+                      <a16:colId xmlns:a16="http://schemas.microsoft.com/office/drawing/2014/main" val="933891541"/>
+                    </a:ext>
+                  </a:extLst>
+                </a:gridCol>
+                <a:gridCol w="3048000">
+                  <a:extLst>
+                    <a:ext uri="{9D8B030D-6E8A-4147-A177-3AD203B41FA5}">
+                      <a16:colId xmlns:a16="http://schemas.microsoft.com/office/drawing/2014/main" val="3922462524"/>
+                    </a:ext>
+                  </a:extLst>
+                </a:gridCol>
+              </a:tblGrid>
+              <a:tr h="406015">
+                <a:tc>
+                  <a:txBody>
+                    <a:bodyPr/>
+                    <a:lstStyle/>
+                    <a:p>
+                      <a:pPr algn="ctr">
+                        <a:buNone/>
+                      </a:pPr>
+                      <a:r>
+                        <a:rPr lang="en-IN">
+                          <a:solidFill>
+                            <a:srgbClr val="FF0000"/>
+                          </a:solidFill>
+                        </a:rPr>
+                        <a:t>Aspect</a:t>
+                      </a:r>
+                    </a:p>
+                  </a:txBody>
+                  <a:tcPr anchor="ctr"/>
+                </a:tc>
+                <a:tc>
+                  <a:txBody>
+                    <a:bodyPr/>
+                    <a:lstStyle/>
+                    <a:p>
+                      <a:pPr algn="ctr">
+                        <a:buNone/>
+                      </a:pPr>
+                      <a:r>
+                        <a:rPr lang="en-IN" dirty="0">
+                          <a:solidFill>
+                            <a:srgbClr val="FF0000"/>
+                          </a:solidFill>
+                        </a:rPr>
+                        <a:t>Mirrors</a:t>
+                      </a:r>
+                    </a:p>
+                  </a:txBody>
+                  <a:tcPr anchor="ctr"/>
+                </a:tc>
+                <a:tc>
+                  <a:txBody>
+                    <a:bodyPr/>
+                    <a:lstStyle/>
+                    <a:p>
+                      <a:pPr algn="ctr">
+                        <a:buNone/>
+                      </a:pPr>
+                      <a:r>
+                        <a:rPr lang="en-IN" dirty="0">
+                          <a:solidFill>
+                            <a:srgbClr val="FF0000"/>
+                          </a:solidFill>
+                        </a:rPr>
+                        <a:t>Lenses</a:t>
+                      </a:r>
+                    </a:p>
+                  </a:txBody>
+                  <a:tcPr anchor="ctr"/>
+                </a:tc>
+                <a:extLst>
+                  <a:ext uri="{0D108BD9-81ED-4DB2-BD59-A6C34878D82A}">
+                    <a16:rowId xmlns:a16="http://schemas.microsoft.com/office/drawing/2014/main" val="2420924371"/>
+                  </a:ext>
+                </a:extLst>
+              </a:tr>
+              <a:tr h="406015">
+                <a:tc>
+                  <a:txBody>
+                    <a:bodyPr/>
+                    <a:lstStyle/>
+                    <a:p>
+                      <a:pPr>
+                        <a:buNone/>
+                      </a:pPr>
+                      <a:r>
+                        <a:rPr lang="en-IN"/>
+                        <a:t>Physical process</a:t>
+                      </a:r>
+                    </a:p>
+                  </a:txBody>
+                  <a:tcPr anchor="ctr"/>
+                </a:tc>
+                <a:tc>
+                  <a:txBody>
+                    <a:bodyPr/>
+                    <a:lstStyle/>
+                    <a:p>
+                      <a:pPr>
+                        <a:buNone/>
+                      </a:pPr>
+                      <a:r>
+                        <a:rPr lang="en-IN"/>
+                        <a:t>Reflection</a:t>
+                      </a:r>
+                    </a:p>
+                  </a:txBody>
+                  <a:tcPr anchor="ctr"/>
+                </a:tc>
+                <a:tc>
+                  <a:txBody>
+                    <a:bodyPr/>
+                    <a:lstStyle/>
+                    <a:p>
+                      <a:pPr>
+                        <a:buNone/>
+                      </a:pPr>
+                      <a:r>
+                        <a:rPr lang="en-IN" dirty="0"/>
+                        <a:t>Refraction</a:t>
+                      </a:r>
+                    </a:p>
+                  </a:txBody>
+                  <a:tcPr anchor="ctr"/>
+                </a:tc>
+                <a:extLst>
+                  <a:ext uri="{0D108BD9-81ED-4DB2-BD59-A6C34878D82A}">
+                    <a16:rowId xmlns:a16="http://schemas.microsoft.com/office/drawing/2014/main" val="351573065"/>
+                  </a:ext>
+                </a:extLst>
+              </a:tr>
+              <a:tr h="406015">
+                <a:tc>
+                  <a:txBody>
+                    <a:bodyPr/>
+                    <a:lstStyle/>
+                    <a:p>
+                      <a:pPr>
+                        <a:buNone/>
+                      </a:pPr>
+                      <a:r>
+                        <a:rPr lang="en-IN"/>
+                        <a:t>Governing law</a:t>
+                      </a:r>
+                    </a:p>
+                  </a:txBody>
+                  <a:tcPr anchor="ctr"/>
+                </a:tc>
+                <a:tc>
+                  <a:txBody>
+                    <a:bodyPr/>
+                    <a:lstStyle/>
+                    <a:p>
+                      <a:pPr>
+                        <a:buNone/>
+                      </a:pPr>
+                      <a:r>
+                        <a:rPr lang="en-IN"/>
+                        <a:t>( i = r )</a:t>
+                      </a:r>
+                    </a:p>
+                  </a:txBody>
+                  <a:tcPr anchor="ctr"/>
+                </a:tc>
+                <a:tc>
+                  <a:txBody>
+                    <a:bodyPr/>
+                    <a:lstStyle/>
+                    <a:p>
+                      <a:pPr>
+                        <a:buNone/>
+                      </a:pPr>
+                      <a:r>
+                        <a:rPr lang="en-IN"/>
+                        <a:t>Snell’s law</a:t>
+                      </a:r>
+                    </a:p>
+                  </a:txBody>
+                  <a:tcPr anchor="ctr"/>
+                </a:tc>
+                <a:extLst>
+                  <a:ext uri="{0D108BD9-81ED-4DB2-BD59-A6C34878D82A}">
+                    <a16:rowId xmlns:a16="http://schemas.microsoft.com/office/drawing/2014/main" val="1674729046"/>
+                  </a:ext>
+                </a:extLst>
+              </a:tr>
+              <a:tr h="406015">
+                <a:tc>
+                  <a:txBody>
+                    <a:bodyPr/>
+                    <a:lstStyle/>
+                    <a:p>
+                      <a:pPr>
+                        <a:buNone/>
+                      </a:pPr>
+                      <a:r>
+                        <a:rPr lang="en-IN"/>
+                        <a:t>Medium change</a:t>
+                      </a:r>
+                    </a:p>
+                  </a:txBody>
+                  <a:tcPr anchor="ctr"/>
+                </a:tc>
+                <a:tc>
+                  <a:txBody>
+                    <a:bodyPr/>
+                    <a:lstStyle/>
+                    <a:p>
+                      <a:pPr>
+                        <a:buNone/>
+                      </a:pPr>
+                      <a:r>
+                        <a:rPr lang="en-IN" dirty="0"/>
+                        <a:t>No</a:t>
+                      </a:r>
+                    </a:p>
+                  </a:txBody>
+                  <a:tcPr anchor="ctr"/>
+                </a:tc>
+                <a:tc>
+                  <a:txBody>
+                    <a:bodyPr/>
+                    <a:lstStyle/>
+                    <a:p>
+                      <a:pPr>
+                        <a:buNone/>
+                      </a:pPr>
+                      <a:r>
+                        <a:rPr lang="en-IN"/>
+                        <a:t>Yes</a:t>
+                      </a:r>
+                    </a:p>
+                  </a:txBody>
+                  <a:tcPr anchor="ctr"/>
+                </a:tc>
+                <a:extLst>
+                  <a:ext uri="{0D108BD9-81ED-4DB2-BD59-A6C34878D82A}">
+                    <a16:rowId xmlns:a16="http://schemas.microsoft.com/office/drawing/2014/main" val="3265661988"/>
+                  </a:ext>
+                </a:extLst>
+              </a:tr>
+              <a:tr h="406015">
+                <a:tc>
+                  <a:txBody>
+                    <a:bodyPr/>
+                    <a:lstStyle/>
+                    <a:p>
+                      <a:pPr>
+                        <a:buNone/>
+                      </a:pPr>
+                      <a:r>
+                        <a:rPr lang="en-IN"/>
+                        <a:t>Image formation</a:t>
+                      </a:r>
+                    </a:p>
+                  </a:txBody>
+                  <a:tcPr anchor="ctr"/>
+                </a:tc>
+                <a:tc>
+                  <a:txBody>
+                    <a:bodyPr/>
+                    <a:lstStyle/>
+                    <a:p>
+                      <a:pPr>
+                        <a:buNone/>
+                      </a:pPr>
+                      <a:r>
+                        <a:rPr lang="en-IN"/>
+                        <a:t>Single interaction</a:t>
+                      </a:r>
+                    </a:p>
+                  </a:txBody>
+                  <a:tcPr anchor="ctr"/>
+                </a:tc>
+                <a:tc>
+                  <a:txBody>
+                    <a:bodyPr/>
+                    <a:lstStyle/>
+                    <a:p>
+                      <a:pPr>
+                        <a:buNone/>
+                      </a:pPr>
+                      <a:r>
+                        <a:rPr lang="en-IN"/>
+                        <a:t>Two refractions</a:t>
+                      </a:r>
+                    </a:p>
+                  </a:txBody>
+                  <a:tcPr anchor="ctr"/>
+                </a:tc>
+                <a:extLst>
+                  <a:ext uri="{0D108BD9-81ED-4DB2-BD59-A6C34878D82A}">
+                    <a16:rowId xmlns:a16="http://schemas.microsoft.com/office/drawing/2014/main" val="2330190580"/>
+                  </a:ext>
+                </a:extLst>
+              </a:tr>
+              <a:tr h="406015">
+                <a:tc>
+                  <a:txBody>
+                    <a:bodyPr/>
+                    <a:lstStyle/>
+                    <a:p>
+                      <a:pPr>
+                        <a:buNone/>
+                      </a:pPr>
+                      <a:r>
+                        <a:rPr lang="en-IN"/>
+                        <a:t>Gaussian optics role</a:t>
+                      </a:r>
+                    </a:p>
+                  </a:txBody>
+                  <a:tcPr anchor="ctr"/>
+                </a:tc>
+                <a:tc>
+                  <a:txBody>
+                    <a:bodyPr/>
+                    <a:lstStyle/>
+                    <a:p>
+                      <a:pPr>
+                        <a:buNone/>
+                      </a:pPr>
+                      <a:r>
+                        <a:rPr lang="en-IN"/>
+                        <a:t>Geometry</a:t>
+                      </a:r>
+                    </a:p>
+                  </a:txBody>
+                  <a:tcPr anchor="ctr"/>
+                </a:tc>
+                <a:tc>
+                  <a:txBody>
+                    <a:bodyPr/>
+                    <a:lstStyle/>
+                    <a:p>
+                      <a:pPr>
+                        <a:buNone/>
+                      </a:pPr>
+                      <a:r>
+                        <a:rPr lang="en-IN" dirty="0"/>
+                        <a:t>Approximation</a:t>
+                      </a:r>
+                    </a:p>
+                  </a:txBody>
+                  <a:tcPr anchor="ctr"/>
+                </a:tc>
+                <a:extLst>
+                  <a:ext uri="{0D108BD9-81ED-4DB2-BD59-A6C34878D82A}">
+                    <a16:rowId xmlns:a16="http://schemas.microsoft.com/office/drawing/2014/main" val="1053534917"/>
+                  </a:ext>
+                </a:extLst>
+              </a:tr>
+            </a:tbl>
+          </a:graphicData>
+        </a:graphic>
+      </p:graphicFrame>
+    </p:spTree>
+    <p:extLst>
+      <p:ext uri="{BB962C8B-B14F-4D97-AF65-F5344CB8AC3E}">
+        <p14:creationId xmlns:p14="http://schemas.microsoft.com/office/powerpoint/2010/main" val="359768088"/>
       </p:ext>
     </p:extLst>
   </p:cSld>

--- a/Presentations/Computer Vision – Module 1.pptx
+++ b/Presentations/Computer Vision – Module 1.pptx
@@ -5,10 +5,10 @@
     <p:sldMasterId id="2147483648" r:id="rId1"/>
   </p:sldMasterIdLst>
   <p:notesMasterIdLst>
-    <p:notesMasterId r:id="rId20"/>
+    <p:notesMasterId r:id="rId26"/>
   </p:notesMasterIdLst>
   <p:handoutMasterIdLst>
-    <p:handoutMasterId r:id="rId21"/>
+    <p:handoutMasterId r:id="rId27"/>
   </p:handoutMasterIdLst>
   <p:sldIdLst>
     <p:sldId id="256" r:id="rId2"/>
@@ -29,6 +29,12 @@
     <p:sldId id="289" r:id="rId17"/>
     <p:sldId id="292" r:id="rId18"/>
     <p:sldId id="290" r:id="rId19"/>
+    <p:sldId id="293" r:id="rId20"/>
+    <p:sldId id="294" r:id="rId21"/>
+    <p:sldId id="295" r:id="rId22"/>
+    <p:sldId id="296" r:id="rId23"/>
+    <p:sldId id="297" r:id="rId24"/>
+    <p:sldId id="298" r:id="rId25"/>
   </p:sldIdLst>
   <p:sldSz cx="12192000" cy="6858000"/>
   <p:notesSz cx="6858000" cy="9144000"/>
@@ -152,7 +158,7 @@
 <file path=ppt/revisionInfo.xml><?xml version="1.0" encoding="utf-8"?>
 <p1510:revInfo xmlns:a="http://schemas.openxmlformats.org/drawingml/2006/main" xmlns:r="http://schemas.openxmlformats.org/officeDocument/2006/relationships" xmlns:p1510="http://schemas.microsoft.com/office/powerpoint/2015/10/main">
   <p1510:revLst>
-    <p1510:client id="{39612B0D-43A0-494E-A4D4-1828271DDC57}" v="151" dt="2026-01-29T09:48:22.889"/>
+    <p1510:client id="{39612B0D-43A0-494E-A4D4-1828271DDC57}" v="166" dt="2026-02-03T09:05:17.666"/>
   </p1510:revLst>
 </p1510:revInfo>
 </file>
@@ -162,7 +168,7 @@
   <pc:docChgLst>
     <pc:chgData name="Sreejith Rajan" userId="ec11bca0e4bee75f" providerId="LiveId" clId="{7B4F392D-EAB3-4CE7-903E-F84869825F47}"/>
     <pc:docChg chg="undo custSel addSld modSld sldOrd">
-      <pc:chgData name="Sreejith Rajan" userId="ec11bca0e4bee75f" providerId="LiveId" clId="{7B4F392D-EAB3-4CE7-903E-F84869825F47}" dt="2026-01-29T09:48:22.889" v="1356" actId="20577"/>
+      <pc:chgData name="Sreejith Rajan" userId="ec11bca0e4bee75f" providerId="LiveId" clId="{7B4F392D-EAB3-4CE7-903E-F84869825F47}" dt="2026-02-03T09:05:27.975" v="1666" actId="20577"/>
       <pc:docMkLst>
         <pc:docMk/>
       </pc:docMkLst>
@@ -203,22 +209,6 @@
             <ac:spMk id="3" creationId="{91DC38E5-E1BA-BDBA-3A7D-013F812C149C}"/>
           </ac:spMkLst>
         </pc:spChg>
-        <pc:spChg chg="add">
-          <ac:chgData name="Sreejith Rajan" userId="ec11bca0e4bee75f" providerId="LiveId" clId="{7B4F392D-EAB3-4CE7-903E-F84869825F47}" dt="2026-01-28T11:04:54.942" v="284"/>
-          <ac:spMkLst>
-            <pc:docMk/>
-            <pc:sldMk cId="577398395" sldId="281"/>
-            <ac:spMk id="4" creationId="{925A3DCE-0182-9207-1986-B38CCB69B385}"/>
-          </ac:spMkLst>
-        </pc:spChg>
-        <pc:spChg chg="add mod">
-          <ac:chgData name="Sreejith Rajan" userId="ec11bca0e4bee75f" providerId="LiveId" clId="{7B4F392D-EAB3-4CE7-903E-F84869825F47}" dt="2026-01-28T11:05:01.448" v="287"/>
-          <ac:spMkLst>
-            <pc:docMk/>
-            <pc:sldMk cId="577398395" sldId="281"/>
-            <ac:spMk id="5" creationId="{5596E00B-A834-387E-10E9-DC929C741180}"/>
-          </ac:spMkLst>
-        </pc:spChg>
       </pc:sldChg>
       <pc:sldChg chg="modSp add mod">
         <pc:chgData name="Sreejith Rajan" userId="ec11bca0e4bee75f" providerId="LiveId" clId="{7B4F392D-EAB3-4CE7-903E-F84869825F47}" dt="2026-01-28T11:12:20.889" v="380" actId="20577"/>
@@ -255,14 +245,6 @@
             <pc:docMk/>
             <pc:sldMk cId="3476075454" sldId="283"/>
             <ac:spMk id="2" creationId="{A07D470A-F35B-E369-AE37-3E931EF4B4DC}"/>
-          </ac:spMkLst>
-        </pc:spChg>
-        <pc:spChg chg="del mod">
-          <ac:chgData name="Sreejith Rajan" userId="ec11bca0e4bee75f" providerId="LiveId" clId="{7B4F392D-EAB3-4CE7-903E-F84869825F47}" dt="2026-01-28T12:28:51.821" v="451" actId="931"/>
-          <ac:spMkLst>
-            <pc:docMk/>
-            <pc:sldMk cId="3476075454" sldId="283"/>
-            <ac:spMk id="3" creationId="{A3BC4B0E-B9C6-7627-9C5A-5D6AB5EAD52E}"/>
           </ac:spMkLst>
         </pc:spChg>
         <pc:picChg chg="add mod">
@@ -319,14 +301,6 @@
             <ac:spMk id="3" creationId="{5207A0A3-2CAD-9B82-BB0A-D31121435AF1}"/>
           </ac:spMkLst>
         </pc:spChg>
-        <pc:spChg chg="add mod">
-          <ac:chgData name="Sreejith Rajan" userId="ec11bca0e4bee75f" providerId="LiveId" clId="{7B4F392D-EAB3-4CE7-903E-F84869825F47}" dt="2026-01-29T08:26:47.248" v="690"/>
-          <ac:spMkLst>
-            <pc:docMk/>
-            <pc:sldMk cId="4118352869" sldId="285"/>
-            <ac:spMk id="4" creationId="{8301CFC0-AF12-0E77-7616-04534B70F14A}"/>
-          </ac:spMkLst>
-        </pc:spChg>
         <pc:picChg chg="add mod">
           <ac:chgData name="Sreejith Rajan" userId="ec11bca0e4bee75f" providerId="LiveId" clId="{7B4F392D-EAB3-4CE7-903E-F84869825F47}" dt="2026-01-29T08:29:21.543" v="718" actId="1076"/>
           <ac:picMkLst>
@@ -372,14 +346,6 @@
             <pc:docMk/>
             <pc:sldMk cId="8252786" sldId="286"/>
             <ac:picMk id="5" creationId="{04FE6E30-ACFB-29A7-1C9E-5F230EC40A9F}"/>
-          </ac:picMkLst>
-        </pc:picChg>
-        <pc:picChg chg="add del mod">
-          <ac:chgData name="Sreejith Rajan" userId="ec11bca0e4bee75f" providerId="LiveId" clId="{7B4F392D-EAB3-4CE7-903E-F84869825F47}" dt="2026-01-29T09:28:27.215" v="849" actId="478"/>
-          <ac:picMkLst>
-            <pc:docMk/>
-            <pc:sldMk cId="8252786" sldId="286"/>
-            <ac:picMk id="7" creationId="{9253CE66-E02B-3670-9CAB-1E4F2FD2677A}"/>
           </ac:picMkLst>
         </pc:picChg>
       </pc:sldChg>
@@ -482,14 +448,6 @@
             <ac:spMk id="2" creationId="{3AA3F0BE-C8FB-20E5-8EE9-139CD235B75A}"/>
           </ac:spMkLst>
         </pc:spChg>
-        <pc:spChg chg="del">
-          <ac:chgData name="Sreejith Rajan" userId="ec11bca0e4bee75f" providerId="LiveId" clId="{7B4F392D-EAB3-4CE7-903E-F84869825F47}" dt="2026-01-29T09:37:22.239" v="1032"/>
-          <ac:spMkLst>
-            <pc:docMk/>
-            <pc:sldMk cId="359768088" sldId="290"/>
-            <ac:spMk id="3" creationId="{FAE6E361-B67A-AE7E-06B6-5539B10A50CD}"/>
-          </ac:spMkLst>
-        </pc:spChg>
         <pc:graphicFrameChg chg="add mod modGraphic">
           <ac:chgData name="Sreejith Rajan" userId="ec11bca0e4bee75f" providerId="LiveId" clId="{7B4F392D-EAB3-4CE7-903E-F84869825F47}" dt="2026-01-29T09:37:56.140" v="1038" actId="1076"/>
           <ac:graphicFrameMkLst>
@@ -545,6 +503,232 @@
           </ac:spMkLst>
         </pc:spChg>
       </pc:sldChg>
+      <pc:sldChg chg="addSp modSp new mod">
+        <pc:chgData name="Sreejith Rajan" userId="ec11bca0e4bee75f" providerId="LiveId" clId="{7B4F392D-EAB3-4CE7-903E-F84869825F47}" dt="2026-02-02T08:39:10.558" v="1622" actId="1076"/>
+        <pc:sldMkLst>
+          <pc:docMk/>
+          <pc:sldMk cId="838514129" sldId="293"/>
+        </pc:sldMkLst>
+        <pc:spChg chg="mod">
+          <ac:chgData name="Sreejith Rajan" userId="ec11bca0e4bee75f" providerId="LiveId" clId="{7B4F392D-EAB3-4CE7-903E-F84869825F47}" dt="2026-02-02T08:12:41.136" v="1372" actId="20577"/>
+          <ac:spMkLst>
+            <pc:docMk/>
+            <pc:sldMk cId="838514129" sldId="293"/>
+            <ac:spMk id="2" creationId="{B61DC38C-B935-CC0F-245B-0788725A1200}"/>
+          </ac:spMkLst>
+        </pc:spChg>
+        <pc:spChg chg="mod">
+          <ac:chgData name="Sreejith Rajan" userId="ec11bca0e4bee75f" providerId="LiveId" clId="{7B4F392D-EAB3-4CE7-903E-F84869825F47}" dt="2026-02-02T08:14:56.810" v="1382" actId="20577"/>
+          <ac:spMkLst>
+            <pc:docMk/>
+            <pc:sldMk cId="838514129" sldId="293"/>
+            <ac:spMk id="3" creationId="{02501693-791A-3B64-E8E0-30247C118106}"/>
+          </ac:spMkLst>
+        </pc:spChg>
+        <pc:spChg chg="add mod">
+          <ac:chgData name="Sreejith Rajan" userId="ec11bca0e4bee75f" providerId="LiveId" clId="{7B4F392D-EAB3-4CE7-903E-F84869825F47}" dt="2026-02-02T08:39:10.558" v="1622" actId="1076"/>
+          <ac:spMkLst>
+            <pc:docMk/>
+            <pc:sldMk cId="838514129" sldId="293"/>
+            <ac:spMk id="6" creationId="{63CE9AAE-9582-C11A-8D4A-677DF8791256}"/>
+          </ac:spMkLst>
+        </pc:spChg>
+        <pc:picChg chg="add mod">
+          <ac:chgData name="Sreejith Rajan" userId="ec11bca0e4bee75f" providerId="LiveId" clId="{7B4F392D-EAB3-4CE7-903E-F84869825F47}" dt="2026-02-02T08:39:00.744" v="1619" actId="1076"/>
+          <ac:picMkLst>
+            <pc:docMk/>
+            <pc:sldMk cId="838514129" sldId="293"/>
+            <ac:picMk id="5" creationId="{D5535780-FFB7-357D-C7F6-9893F0ACD0B0}"/>
+          </ac:picMkLst>
+        </pc:picChg>
+      </pc:sldChg>
+      <pc:sldChg chg="addSp delSp modSp new mod">
+        <pc:chgData name="Sreejith Rajan" userId="ec11bca0e4bee75f" providerId="LiveId" clId="{7B4F392D-EAB3-4CE7-903E-F84869825F47}" dt="2026-02-02T08:35:14.191" v="1587" actId="20577"/>
+        <pc:sldMkLst>
+          <pc:docMk/>
+          <pc:sldMk cId="1094232091" sldId="294"/>
+        </pc:sldMkLst>
+        <pc:spChg chg="mod">
+          <ac:chgData name="Sreejith Rajan" userId="ec11bca0e4bee75f" providerId="LiveId" clId="{7B4F392D-EAB3-4CE7-903E-F84869825F47}" dt="2026-02-02T08:18:31.548" v="1425" actId="20577"/>
+          <ac:spMkLst>
+            <pc:docMk/>
+            <pc:sldMk cId="1094232091" sldId="294"/>
+            <ac:spMk id="2" creationId="{C3405D6E-FDB3-4C52-65D8-D1FD95D01AEF}"/>
+          </ac:spMkLst>
+        </pc:spChg>
+        <pc:spChg chg="mod">
+          <ac:chgData name="Sreejith Rajan" userId="ec11bca0e4bee75f" providerId="LiveId" clId="{7B4F392D-EAB3-4CE7-903E-F84869825F47}" dt="2026-02-02T08:35:14.191" v="1587" actId="20577"/>
+          <ac:spMkLst>
+            <pc:docMk/>
+            <pc:sldMk cId="1094232091" sldId="294"/>
+            <ac:spMk id="3" creationId="{86347F61-D9A1-06BA-2897-992480998344}"/>
+          </ac:spMkLst>
+        </pc:spChg>
+        <pc:picChg chg="add del mod">
+          <ac:chgData name="Sreejith Rajan" userId="ec11bca0e4bee75f" providerId="LiveId" clId="{7B4F392D-EAB3-4CE7-903E-F84869825F47}" dt="2026-02-02T08:21:06.082" v="1460" actId="931"/>
+          <ac:picMkLst>
+            <pc:docMk/>
+            <pc:sldMk cId="1094232091" sldId="294"/>
+            <ac:picMk id="5" creationId="{D9855CD2-3339-F5AD-5E26-7F8EEA3E1757}"/>
+          </ac:picMkLst>
+        </pc:picChg>
+        <pc:picChg chg="add mod">
+          <ac:chgData name="Sreejith Rajan" userId="ec11bca0e4bee75f" providerId="LiveId" clId="{7B4F392D-EAB3-4CE7-903E-F84869825F47}" dt="2026-02-02T08:21:24.258" v="1465" actId="1076"/>
+          <ac:picMkLst>
+            <pc:docMk/>
+            <pc:sldMk cId="1094232091" sldId="294"/>
+            <ac:picMk id="7" creationId="{876E87A6-A21C-339D-E431-3311928BFA0E}"/>
+          </ac:picMkLst>
+        </pc:picChg>
+      </pc:sldChg>
+      <pc:sldChg chg="addSp modSp new mod">
+        <pc:chgData name="Sreejith Rajan" userId="ec11bca0e4bee75f" providerId="LiveId" clId="{7B4F392D-EAB3-4CE7-903E-F84869825F47}" dt="2026-02-02T08:25:09.606" v="1502" actId="1076"/>
+        <pc:sldMkLst>
+          <pc:docMk/>
+          <pc:sldMk cId="312179180" sldId="295"/>
+        </pc:sldMkLst>
+        <pc:spChg chg="mod">
+          <ac:chgData name="Sreejith Rajan" userId="ec11bca0e4bee75f" providerId="LiveId" clId="{7B4F392D-EAB3-4CE7-903E-F84869825F47}" dt="2026-02-02T08:22:37.208" v="1481" actId="20577"/>
+          <ac:spMkLst>
+            <pc:docMk/>
+            <pc:sldMk cId="312179180" sldId="295"/>
+            <ac:spMk id="2" creationId="{14BAB176-CC97-CA7D-02E0-16695859D1CA}"/>
+          </ac:spMkLst>
+        </pc:spChg>
+        <pc:spChg chg="mod">
+          <ac:chgData name="Sreejith Rajan" userId="ec11bca0e4bee75f" providerId="LiveId" clId="{7B4F392D-EAB3-4CE7-903E-F84869825F47}" dt="2026-02-02T08:24:06.329" v="1498" actId="20577"/>
+          <ac:spMkLst>
+            <pc:docMk/>
+            <pc:sldMk cId="312179180" sldId="295"/>
+            <ac:spMk id="3" creationId="{94604663-0B0E-EF63-DB36-2558778FA607}"/>
+          </ac:spMkLst>
+        </pc:spChg>
+        <pc:picChg chg="add mod">
+          <ac:chgData name="Sreejith Rajan" userId="ec11bca0e4bee75f" providerId="LiveId" clId="{7B4F392D-EAB3-4CE7-903E-F84869825F47}" dt="2026-02-02T08:25:09.606" v="1502" actId="1076"/>
+          <ac:picMkLst>
+            <pc:docMk/>
+            <pc:sldMk cId="312179180" sldId="295"/>
+            <ac:picMk id="5" creationId="{0666F5A8-0AE5-47A7-55C1-10A1985273D5}"/>
+          </ac:picMkLst>
+        </pc:picChg>
+      </pc:sldChg>
+      <pc:sldChg chg="addSp delSp modSp new mod">
+        <pc:chgData name="Sreejith Rajan" userId="ec11bca0e4bee75f" providerId="LiveId" clId="{7B4F392D-EAB3-4CE7-903E-F84869825F47}" dt="2026-02-02T08:29:48.696" v="1521"/>
+        <pc:sldMkLst>
+          <pc:docMk/>
+          <pc:sldMk cId="484128902" sldId="296"/>
+        </pc:sldMkLst>
+        <pc:spChg chg="del">
+          <ac:chgData name="Sreejith Rajan" userId="ec11bca0e4bee75f" providerId="LiveId" clId="{7B4F392D-EAB3-4CE7-903E-F84869825F47}" dt="2026-02-02T08:26:36.185" v="1512" actId="478"/>
+          <ac:spMkLst>
+            <pc:docMk/>
+            <pc:sldMk cId="484128902" sldId="296"/>
+            <ac:spMk id="2" creationId="{D9F28C28-82AF-0336-A436-7892AC7B03C6}"/>
+          </ac:spMkLst>
+        </pc:spChg>
+        <pc:spChg chg="del">
+          <ac:chgData name="Sreejith Rajan" userId="ec11bca0e4bee75f" providerId="LiveId" clId="{7B4F392D-EAB3-4CE7-903E-F84869825F47}" dt="2026-02-02T08:25:43.482" v="1504" actId="931"/>
+          <ac:spMkLst>
+            <pc:docMk/>
+            <pc:sldMk cId="484128902" sldId="296"/>
+            <ac:spMk id="3" creationId="{B45B21C3-F3BE-E4E1-ED1E-6AFA8DDB1F19}"/>
+          </ac:spMkLst>
+        </pc:spChg>
+        <pc:spChg chg="add mod">
+          <ac:chgData name="Sreejith Rajan" userId="ec11bca0e4bee75f" providerId="LiveId" clId="{7B4F392D-EAB3-4CE7-903E-F84869825F47}" dt="2026-02-02T08:29:21.246" v="1517" actId="14100"/>
+          <ac:spMkLst>
+            <pc:docMk/>
+            <pc:sldMk cId="484128902" sldId="296"/>
+            <ac:spMk id="8" creationId="{BFCF2B5D-EDD6-7E60-9DA7-39D256E54F55}"/>
+          </ac:spMkLst>
+        </pc:spChg>
+        <pc:spChg chg="add mod">
+          <ac:chgData name="Sreejith Rajan" userId="ec11bca0e4bee75f" providerId="LiveId" clId="{7B4F392D-EAB3-4CE7-903E-F84869825F47}" dt="2026-02-02T08:29:48.696" v="1521"/>
+          <ac:spMkLst>
+            <pc:docMk/>
+            <pc:sldMk cId="484128902" sldId="296"/>
+            <ac:spMk id="9" creationId="{16AC3D22-2D9E-8772-D549-10D20618FB07}"/>
+          </ac:spMkLst>
+        </pc:spChg>
+        <pc:picChg chg="add mod ord">
+          <ac:chgData name="Sreejith Rajan" userId="ec11bca0e4bee75f" providerId="LiveId" clId="{7B4F392D-EAB3-4CE7-903E-F84869825F47}" dt="2026-02-02T08:25:48.181" v="1506" actId="1076"/>
+          <ac:picMkLst>
+            <pc:docMk/>
+            <pc:sldMk cId="484128902" sldId="296"/>
+            <ac:picMk id="5" creationId="{C62074D3-2129-3E96-0B2D-F443D3BA9E88}"/>
+          </ac:picMkLst>
+        </pc:picChg>
+        <pc:picChg chg="add mod">
+          <ac:chgData name="Sreejith Rajan" userId="ec11bca0e4bee75f" providerId="LiveId" clId="{7B4F392D-EAB3-4CE7-903E-F84869825F47}" dt="2026-02-02T08:26:30.358" v="1511" actId="14100"/>
+          <ac:picMkLst>
+            <pc:docMk/>
+            <pc:sldMk cId="484128902" sldId="296"/>
+            <ac:picMk id="7" creationId="{4533A4B4-E02A-2AE0-0D6D-86E97CEC24D7}"/>
+          </ac:picMkLst>
+        </pc:picChg>
+      </pc:sldChg>
+      <pc:sldChg chg="addSp delSp modSp new mod">
+        <pc:chgData name="Sreejith Rajan" userId="ec11bca0e4bee75f" providerId="LiveId" clId="{7B4F392D-EAB3-4CE7-903E-F84869825F47}" dt="2026-02-02T08:32:24.977" v="1558" actId="1076"/>
+        <pc:sldMkLst>
+          <pc:docMk/>
+          <pc:sldMk cId="829793420" sldId="297"/>
+        </pc:sldMkLst>
+        <pc:spChg chg="mod">
+          <ac:chgData name="Sreejith Rajan" userId="ec11bca0e4bee75f" providerId="LiveId" clId="{7B4F392D-EAB3-4CE7-903E-F84869825F47}" dt="2026-02-02T08:30:43.893" v="1548" actId="20577"/>
+          <ac:spMkLst>
+            <pc:docMk/>
+            <pc:sldMk cId="829793420" sldId="297"/>
+            <ac:spMk id="2" creationId="{014A04CF-15C4-8330-6BA3-B4FFA15F0EA5}"/>
+          </ac:spMkLst>
+        </pc:spChg>
+        <pc:spChg chg="del">
+          <ac:chgData name="Sreejith Rajan" userId="ec11bca0e4bee75f" providerId="LiveId" clId="{7B4F392D-EAB3-4CE7-903E-F84869825F47}" dt="2026-02-02T08:32:00.812" v="1549" actId="931"/>
+          <ac:spMkLst>
+            <pc:docMk/>
+            <pc:sldMk cId="829793420" sldId="297"/>
+            <ac:spMk id="3" creationId="{B19E949C-A0E1-B534-A103-5DE695A02ABE}"/>
+          </ac:spMkLst>
+        </pc:spChg>
+        <pc:spChg chg="add mod">
+          <ac:chgData name="Sreejith Rajan" userId="ec11bca0e4bee75f" providerId="LiveId" clId="{7B4F392D-EAB3-4CE7-903E-F84869825F47}" dt="2026-02-02T08:32:19.085" v="1555" actId="1076"/>
+          <ac:spMkLst>
+            <pc:docMk/>
+            <pc:sldMk cId="829793420" sldId="297"/>
+            <ac:spMk id="7" creationId="{79A87CA1-23AE-49E7-3500-81008DB9341B}"/>
+          </ac:spMkLst>
+        </pc:spChg>
+        <pc:picChg chg="add mod ord">
+          <ac:chgData name="Sreejith Rajan" userId="ec11bca0e4bee75f" providerId="LiveId" clId="{7B4F392D-EAB3-4CE7-903E-F84869825F47}" dt="2026-02-02T08:32:24.977" v="1558" actId="1076"/>
+          <ac:picMkLst>
+            <pc:docMk/>
+            <pc:sldMk cId="829793420" sldId="297"/>
+            <ac:picMk id="5" creationId="{31545EA1-E64A-0739-FC05-006BD7D35D69}"/>
+          </ac:picMkLst>
+        </pc:picChg>
+      </pc:sldChg>
+      <pc:sldChg chg="modSp new mod">
+        <pc:chgData name="Sreejith Rajan" userId="ec11bca0e4bee75f" providerId="LiveId" clId="{7B4F392D-EAB3-4CE7-903E-F84869825F47}" dt="2026-02-03T09:05:27.975" v="1666" actId="20577"/>
+        <pc:sldMkLst>
+          <pc:docMk/>
+          <pc:sldMk cId="2629671684" sldId="298"/>
+        </pc:sldMkLst>
+        <pc:spChg chg="mod">
+          <ac:chgData name="Sreejith Rajan" userId="ec11bca0e4bee75f" providerId="LiveId" clId="{7B4F392D-EAB3-4CE7-903E-F84869825F47}" dt="2026-02-02T09:44:37.829" v="1641" actId="20577"/>
+          <ac:spMkLst>
+            <pc:docMk/>
+            <pc:sldMk cId="2629671684" sldId="298"/>
+            <ac:spMk id="2" creationId="{6120A8E8-A9A6-3874-A43B-0D8B9F0E21C1}"/>
+          </ac:spMkLst>
+        </pc:spChg>
+        <pc:spChg chg="mod">
+          <ac:chgData name="Sreejith Rajan" userId="ec11bca0e4bee75f" providerId="LiveId" clId="{7B4F392D-EAB3-4CE7-903E-F84869825F47}" dt="2026-02-03T09:05:27.975" v="1666" actId="20577"/>
+          <ac:spMkLst>
+            <pc:docMk/>
+            <pc:sldMk cId="2629671684" sldId="298"/>
+            <ac:spMk id="3" creationId="{CD899691-4739-5679-D451-0C66FE06F942}"/>
+          </ac:spMkLst>
+        </pc:spChg>
+      </pc:sldChg>
     </pc:docChg>
   </pc:docChgLst>
 </pc:chgInfo>
@@ -632,7 +816,7 @@
           <a:p>
             <a:fld id="{762B48F5-BACC-47D6-A0F7-82FBF9C6BC85}" type="datetimeFigureOut">
               <a:rPr lang="en-US"/>
-              <a:t>1/29/2026</a:t>
+              <a:t>2/3/2026</a:t>
             </a:fld>
             <a:endParaRPr/>
           </a:p>
@@ -797,7 +981,7 @@
           <a:p>
             <a:fld id="{0CB1CD00-5424-4675-AB18-2C419B060449}" type="datetimeFigureOut">
               <a:rPr lang="en-US"/>
-              <a:t>1/29/2026</a:t>
+              <a:t>2/3/2026</a:t>
             </a:fld>
             <a:endParaRPr/>
           </a:p>
@@ -1442,7 +1626,7 @@
           <a:p>
             <a:fld id="{37CC0096-1860-4642-9CD2-0079EA5E7CD1}" type="datetimeFigureOut">
               <a:rPr lang="en-US" smtClean="0"/>
-              <a:t>1/29/2026</a:t>
+              <a:t>2/3/2026</a:t>
             </a:fld>
             <a:endParaRPr lang="en-US"/>
           </a:p>
@@ -1621,7 +1805,7 @@
           <a:p>
             <a:fld id="{37CC0096-1860-4642-9CD2-0079EA5E7CD1}" type="datetimeFigureOut">
               <a:rPr lang="en-US" smtClean="0"/>
-              <a:t>1/29/2026</a:t>
+              <a:t>2/3/2026</a:t>
             </a:fld>
             <a:endParaRPr lang="en-US"/>
           </a:p>
@@ -1794,7 +1978,7 @@
           <a:p>
             <a:fld id="{37CC0096-1860-4642-9CD2-0079EA5E7CD1}" type="datetimeFigureOut">
               <a:rPr lang="en-US" smtClean="0"/>
-              <a:t>1/29/2026</a:t>
+              <a:t>2/3/2026</a:t>
             </a:fld>
             <a:endParaRPr lang="en-US"/>
           </a:p>
@@ -2227,7 +2411,7 @@
           <a:p>
             <a:fld id="{37CC0096-1860-4642-9CD2-0079EA5E7CD1}" type="datetimeFigureOut">
               <a:rPr lang="en-US" smtClean="0"/>
-              <a:t>1/29/2026</a:t>
+              <a:t>2/3/2026</a:t>
             </a:fld>
             <a:endParaRPr lang="en-US"/>
           </a:p>
@@ -2666,7 +2850,7 @@
           <a:p>
             <a:fld id="{37CC0096-1860-4642-9CD2-0079EA5E7CD1}" type="datetimeFigureOut">
               <a:rPr lang="en-US" smtClean="0"/>
-              <a:t>1/29/2026</a:t>
+              <a:t>2/3/2026</a:t>
             </a:fld>
             <a:endParaRPr lang="en-US"/>
           </a:p>
@@ -2783,7 +2967,7 @@
           <a:p>
             <a:fld id="{37CC0096-1860-4642-9CD2-0079EA5E7CD1}" type="datetimeFigureOut">
               <a:rPr lang="en-US" smtClean="0"/>
-              <a:t>1/29/2026</a:t>
+              <a:t>2/3/2026</a:t>
             </a:fld>
             <a:endParaRPr lang="en-US"/>
           </a:p>
@@ -2878,7 +3062,7 @@
           <a:p>
             <a:fld id="{37CC0096-1860-4642-9CD2-0079EA5E7CD1}" type="datetimeFigureOut">
               <a:rPr lang="en-US" smtClean="0"/>
-              <a:t>1/29/2026</a:t>
+              <a:t>2/3/2026</a:t>
             </a:fld>
             <a:endParaRPr lang="en-US"/>
           </a:p>
@@ -3162,7 +3346,7 @@
           <a:p>
             <a:fld id="{37CC0096-1860-4642-9CD2-0079EA5E7CD1}" type="datetimeFigureOut">
               <a:rPr lang="en-US" smtClean="0"/>
-              <a:t>1/29/2026</a:t>
+              <a:t>2/3/2026</a:t>
             </a:fld>
             <a:endParaRPr lang="en-US"/>
           </a:p>
@@ -3473,7 +3657,7 @@
           <a:p>
             <a:fld id="{37CC0096-1860-4642-9CD2-0079EA5E7CD1}" type="datetimeFigureOut">
               <a:rPr lang="en-US" smtClean="0"/>
-              <a:t>1/29/2026</a:t>
+              <a:t>2/3/2026</a:t>
             </a:fld>
             <a:endParaRPr lang="en-US"/>
           </a:p>
@@ -3705,7 +3889,7 @@
             <a:fld id="{37CC0096-1860-4642-9CD2-0079EA5E7CD1}" type="datetimeFigureOut">
               <a:rPr lang="en-US" smtClean="0"/>
               <a:pPr/>
-              <a:t>1/29/2026</a:t>
+              <a:t>2/3/2026</a:t>
             </a:fld>
             <a:endParaRPr lang="en-US"/>
           </a:p>
@@ -4696,8 +4880,8 @@
           </a:p>
         </p:txBody>
       </p:sp>
-      <mc:AlternateContent xmlns:mc="http://schemas.openxmlformats.org/markup-compatibility/2006">
-        <mc:Choice xmlns:a14="http://schemas.microsoft.com/office/drawing/2010/main" Requires="a14">
+      <mc:AlternateContent xmlns:mc="http://schemas.openxmlformats.org/markup-compatibility/2006" xmlns:a14="http://schemas.microsoft.com/office/drawing/2010/main">
+        <mc:Choice Requires="a14">
           <p:sp>
             <p:nvSpPr>
               <p:cNvPr id="3" name="Content Placeholder 2">
@@ -5010,7 +5194,7 @@
             </p:txBody>
           </p:sp>
         </mc:Choice>
-        <mc:Fallback>
+        <mc:Fallback xmlns="">
           <p:sp>
             <p:nvSpPr>
               <p:cNvPr id="3" name="Content Placeholder 2">
@@ -5556,8 +5740,8 @@
           </a:p>
         </p:txBody>
       </p:sp>
-      <mc:AlternateContent xmlns:mc="http://schemas.openxmlformats.org/markup-compatibility/2006">
-        <mc:Choice xmlns:a14="http://schemas.microsoft.com/office/drawing/2010/main" Requires="a14">
+      <mc:AlternateContent xmlns:mc="http://schemas.openxmlformats.org/markup-compatibility/2006" xmlns:a14="http://schemas.microsoft.com/office/drawing/2010/main">
+        <mc:Choice Requires="a14">
           <p:sp>
             <p:nvSpPr>
               <p:cNvPr id="3" name="Content Placeholder 2">
@@ -5809,7 +5993,7 @@
             </p:txBody>
           </p:sp>
         </mc:Choice>
-        <mc:Fallback>
+        <mc:Fallback xmlns="">
           <p:sp>
             <p:nvSpPr>
               <p:cNvPr id="3" name="Content Placeholder 2">
@@ -6320,6 +6504,178 @@
 </p:sld>
 </file>
 
+<file path=ppt/slides/slide19.xml><?xml version="1.0" encoding="utf-8"?>
+<p:sld xmlns:a="http://schemas.openxmlformats.org/drawingml/2006/main" xmlns:r="http://schemas.openxmlformats.org/officeDocument/2006/relationships" xmlns:p="http://schemas.openxmlformats.org/presentationml/2006/main">
+  <p:cSld>
+    <p:spTree>
+      <p:nvGrpSpPr>
+        <p:cNvPr id="1" name=""/>
+        <p:cNvGrpSpPr/>
+        <p:nvPr/>
+      </p:nvGrpSpPr>
+      <p:grpSpPr>
+        <a:xfrm>
+          <a:off x="0" y="0"/>
+          <a:ext cx="0" cy="0"/>
+          <a:chOff x="0" y="0"/>
+          <a:chExt cx="0" cy="0"/>
+        </a:xfrm>
+      </p:grpSpPr>
+      <p:sp>
+        <p:nvSpPr>
+          <p:cNvPr id="2" name="Title 1">
+            <a:extLst>
+              <a:ext uri="{FF2B5EF4-FFF2-40B4-BE49-F238E27FC236}">
+                <a16:creationId xmlns:a16="http://schemas.microsoft.com/office/drawing/2014/main" id="{B61DC38C-B935-CC0F-245B-0788725A1200}"/>
+              </a:ext>
+            </a:extLst>
+          </p:cNvPr>
+          <p:cNvSpPr>
+            <a:spLocks noGrp="1"/>
+          </p:cNvSpPr>
+          <p:nvPr>
+            <p:ph type="title"/>
+          </p:nvPr>
+        </p:nvSpPr>
+        <p:spPr/>
+        <p:txBody>
+          <a:bodyPr/>
+          <a:lstStyle/>
+          <a:p>
+            <a:r>
+              <a:rPr lang="en-IN" dirty="0"/>
+              <a:t>Depth of Field </a:t>
+            </a:r>
+          </a:p>
+        </p:txBody>
+      </p:sp>
+      <p:sp>
+        <p:nvSpPr>
+          <p:cNvPr id="3" name="Content Placeholder 2">
+            <a:extLst>
+              <a:ext uri="{FF2B5EF4-FFF2-40B4-BE49-F238E27FC236}">
+                <a16:creationId xmlns:a16="http://schemas.microsoft.com/office/drawing/2014/main" id="{02501693-791A-3B64-E8E0-30247C118106}"/>
+              </a:ext>
+            </a:extLst>
+          </p:cNvPr>
+          <p:cNvSpPr>
+            <a:spLocks noGrp="1"/>
+          </p:cNvSpPr>
+          <p:nvPr>
+            <p:ph idx="1"/>
+          </p:nvPr>
+        </p:nvSpPr>
+        <p:spPr/>
+        <p:txBody>
+          <a:bodyPr/>
+          <a:lstStyle/>
+          <a:p>
+            <a:r>
+              <a:rPr lang="en-US" dirty="0"/>
+              <a:t>Depth of field is the distance between the closest and farthest objects in a photo that appears acceptably sharp. </a:t>
+            </a:r>
+          </a:p>
+          <a:p>
+            <a:r>
+              <a:rPr lang="en-US" dirty="0"/>
+              <a:t>Now your camera can only focus sharply at one point. But the transition from sharp to unsharp is gradual, and the term ‘acceptably sharp’ is a loose one </a:t>
+            </a:r>
+          </a:p>
+          <a:p>
+            <a:endParaRPr lang="en-US" dirty="0"/>
+          </a:p>
+        </p:txBody>
+      </p:sp>
+      <p:pic>
+        <p:nvPicPr>
+          <p:cNvPr id="5" name="Picture 4">
+            <a:extLst>
+              <a:ext uri="{FF2B5EF4-FFF2-40B4-BE49-F238E27FC236}">
+                <a16:creationId xmlns:a16="http://schemas.microsoft.com/office/drawing/2014/main" id="{D5535780-FFB7-357D-C7F6-9893F0ACD0B0}"/>
+              </a:ext>
+            </a:extLst>
+          </p:cNvPr>
+          <p:cNvPicPr>
+            <a:picLocks noChangeAspect="1"/>
+          </p:cNvPicPr>
+          <p:nvPr/>
+        </p:nvPicPr>
+        <p:blipFill>
+          <a:blip r:embed="rId2">
+            <a:extLst>
+              <a:ext uri="{28A0092B-C50C-407E-A947-70E740481C1C}">
+                <a14:useLocalDpi xmlns:a14="http://schemas.microsoft.com/office/drawing/2010/main" val="0"/>
+              </a:ext>
+            </a:extLst>
+          </a:blip>
+          <a:stretch>
+            <a:fillRect/>
+          </a:stretch>
+        </p:blipFill>
+        <p:spPr>
+          <a:xfrm>
+            <a:off x="1524000" y="3284984"/>
+            <a:ext cx="5184576" cy="3372000"/>
+          </a:xfrm>
+          <a:prstGeom prst="rect">
+            <a:avLst/>
+          </a:prstGeom>
+        </p:spPr>
+      </p:pic>
+      <p:sp>
+        <p:nvSpPr>
+          <p:cNvPr id="6" name="TextBox 5">
+            <a:extLst>
+              <a:ext uri="{FF2B5EF4-FFF2-40B4-BE49-F238E27FC236}">
+                <a16:creationId xmlns:a16="http://schemas.microsoft.com/office/drawing/2014/main" id="{63CE9AAE-9582-C11A-8D4A-677DF8791256}"/>
+              </a:ext>
+            </a:extLst>
+          </p:cNvPr>
+          <p:cNvSpPr txBox="1"/>
+          <p:nvPr/>
+        </p:nvSpPr>
+        <p:spPr>
+          <a:xfrm>
+            <a:off x="6960096" y="5977680"/>
+            <a:ext cx="5040560" cy="646331"/>
+          </a:xfrm>
+          <a:prstGeom prst="rect">
+            <a:avLst/>
+          </a:prstGeom>
+          <a:noFill/>
+        </p:spPr>
+        <p:txBody>
+          <a:bodyPr wrap="square" rtlCol="0">
+            <a:spAutoFit/>
+          </a:bodyPr>
+          <a:lstStyle/>
+          <a:p>
+            <a:r>
+              <a:rPr lang="en-IN" dirty="0"/>
+              <a:t>Credits : Elizabeth</a:t>
+            </a:r>
+          </a:p>
+          <a:p>
+            <a:r>
+              <a:rPr lang="en-IN" dirty="0"/>
+              <a:t>https://photographylife.com/what-is-depth-of-field</a:t>
+            </a:r>
+          </a:p>
+        </p:txBody>
+      </p:sp>
+    </p:spTree>
+    <p:extLst>
+      <p:ext uri="{BB962C8B-B14F-4D97-AF65-F5344CB8AC3E}">
+        <p14:creationId xmlns:p14="http://schemas.microsoft.com/office/powerpoint/2010/main" val="838514129"/>
+      </p:ext>
+    </p:extLst>
+  </p:cSld>
+  <p:clrMapOvr>
+    <a:masterClrMapping/>
+  </p:clrMapOvr>
+</p:sld>
+</file>
+
 <file path=ppt/slides/slide2.xml><?xml version="1.0" encoding="utf-8"?>
 <p:sld xmlns:a="http://schemas.openxmlformats.org/drawingml/2006/main" xmlns:r="http://schemas.openxmlformats.org/officeDocument/2006/relationships" xmlns:p="http://schemas.openxmlformats.org/presentationml/2006/main">
   <p:cSld>
@@ -6428,6 +6784,713 @@
     <p:extLst>
       <p:ext uri="{BB962C8B-B14F-4D97-AF65-F5344CB8AC3E}">
         <p14:creationId xmlns:p14="http://schemas.microsoft.com/office/powerpoint/2010/main" val="594669628"/>
+      </p:ext>
+    </p:extLst>
+  </p:cSld>
+  <p:clrMapOvr>
+    <a:masterClrMapping/>
+  </p:clrMapOvr>
+</p:sld>
+</file>
+
+<file path=ppt/slides/slide20.xml><?xml version="1.0" encoding="utf-8"?>
+<p:sld xmlns:a="http://schemas.openxmlformats.org/drawingml/2006/main" xmlns:r="http://schemas.openxmlformats.org/officeDocument/2006/relationships" xmlns:p="http://schemas.openxmlformats.org/presentationml/2006/main">
+  <p:cSld>
+    <p:spTree>
+      <p:nvGrpSpPr>
+        <p:cNvPr id="1" name=""/>
+        <p:cNvGrpSpPr/>
+        <p:nvPr/>
+      </p:nvGrpSpPr>
+      <p:grpSpPr>
+        <a:xfrm>
+          <a:off x="0" y="0"/>
+          <a:ext cx="0" cy="0"/>
+          <a:chOff x="0" y="0"/>
+          <a:chExt cx="0" cy="0"/>
+        </a:xfrm>
+      </p:grpSpPr>
+      <p:sp>
+        <p:nvSpPr>
+          <p:cNvPr id="2" name="Title 1">
+            <a:extLst>
+              <a:ext uri="{FF2B5EF4-FFF2-40B4-BE49-F238E27FC236}">
+                <a16:creationId xmlns:a16="http://schemas.microsoft.com/office/drawing/2014/main" id="{C3405D6E-FDB3-4C52-65D8-D1FD95D01AEF}"/>
+              </a:ext>
+            </a:extLst>
+          </p:cNvPr>
+          <p:cNvSpPr>
+            <a:spLocks noGrp="1"/>
+          </p:cNvSpPr>
+          <p:nvPr>
+            <p:ph type="title"/>
+          </p:nvPr>
+        </p:nvSpPr>
+        <p:spPr/>
+        <p:txBody>
+          <a:bodyPr/>
+          <a:lstStyle/>
+          <a:p>
+            <a:r>
+              <a:rPr lang="en-IN" dirty="0"/>
+              <a:t>Factors Affecting </a:t>
+            </a:r>
+            <a:r>
+              <a:rPr lang="en-IN" dirty="0" err="1"/>
+              <a:t>DoF</a:t>
+            </a:r>
+            <a:endParaRPr lang="en-IN" dirty="0"/>
+          </a:p>
+        </p:txBody>
+      </p:sp>
+      <p:sp>
+        <p:nvSpPr>
+          <p:cNvPr id="3" name="Content Placeholder 2">
+            <a:extLst>
+              <a:ext uri="{FF2B5EF4-FFF2-40B4-BE49-F238E27FC236}">
+                <a16:creationId xmlns:a16="http://schemas.microsoft.com/office/drawing/2014/main" id="{86347F61-D9A1-06BA-2897-992480998344}"/>
+              </a:ext>
+            </a:extLst>
+          </p:cNvPr>
+          <p:cNvSpPr>
+            <a:spLocks noGrp="1"/>
+          </p:cNvSpPr>
+          <p:nvPr>
+            <p:ph idx="1"/>
+          </p:nvPr>
+        </p:nvSpPr>
+        <p:spPr/>
+        <p:txBody>
+          <a:bodyPr/>
+          <a:lstStyle/>
+          <a:p>
+            <a:r>
+              <a:rPr lang="en-IN" b="1" dirty="0"/>
+              <a:t>Aperture</a:t>
+            </a:r>
+          </a:p>
+          <a:p>
+            <a:r>
+              <a:rPr lang="en-IN" b="1" dirty="0"/>
+              <a:t>Camera Subject Distance</a:t>
+            </a:r>
+          </a:p>
+          <a:p>
+            <a:r>
+              <a:rPr lang="en-IN" b="1" dirty="0"/>
+              <a:t>Sensor Size</a:t>
+            </a:r>
+            <a:br>
+              <a:rPr lang="en-US" dirty="0"/>
+            </a:br>
+            <a:endParaRPr lang="en-IN" dirty="0"/>
+          </a:p>
+          <a:p>
+            <a:endParaRPr lang="en-IN" dirty="0"/>
+          </a:p>
+        </p:txBody>
+      </p:sp>
+      <p:pic>
+        <p:nvPicPr>
+          <p:cNvPr id="7" name="Picture 6">
+            <a:extLst>
+              <a:ext uri="{FF2B5EF4-FFF2-40B4-BE49-F238E27FC236}">
+                <a16:creationId xmlns:a16="http://schemas.microsoft.com/office/drawing/2014/main" id="{876E87A6-A21C-339D-E431-3311928BFA0E}"/>
+              </a:ext>
+            </a:extLst>
+          </p:cNvPr>
+          <p:cNvPicPr>
+            <a:picLocks noChangeAspect="1"/>
+          </p:cNvPicPr>
+          <p:nvPr/>
+        </p:nvPicPr>
+        <p:blipFill>
+          <a:blip r:embed="rId2">
+            <a:extLst>
+              <a:ext uri="{28A0092B-C50C-407E-A947-70E740481C1C}">
+                <a14:useLocalDpi xmlns:a14="http://schemas.microsoft.com/office/drawing/2010/main" val="0"/>
+              </a:ext>
+            </a:extLst>
+          </a:blip>
+          <a:stretch>
+            <a:fillRect/>
+          </a:stretch>
+        </p:blipFill>
+        <p:spPr>
+          <a:xfrm>
+            <a:off x="5218224" y="3284984"/>
+            <a:ext cx="6973776" cy="3429000"/>
+          </a:xfrm>
+          <a:prstGeom prst="rect">
+            <a:avLst/>
+          </a:prstGeom>
+        </p:spPr>
+      </p:pic>
+    </p:spTree>
+    <p:extLst>
+      <p:ext uri="{BB962C8B-B14F-4D97-AF65-F5344CB8AC3E}">
+        <p14:creationId xmlns:p14="http://schemas.microsoft.com/office/powerpoint/2010/main" val="1094232091"/>
+      </p:ext>
+    </p:extLst>
+  </p:cSld>
+  <p:clrMapOvr>
+    <a:masterClrMapping/>
+  </p:clrMapOvr>
+</p:sld>
+</file>
+
+<file path=ppt/slides/slide21.xml><?xml version="1.0" encoding="utf-8"?>
+<p:sld xmlns:a="http://schemas.openxmlformats.org/drawingml/2006/main" xmlns:r="http://schemas.openxmlformats.org/officeDocument/2006/relationships" xmlns:p="http://schemas.openxmlformats.org/presentationml/2006/main">
+  <p:cSld>
+    <p:spTree>
+      <p:nvGrpSpPr>
+        <p:cNvPr id="1" name=""/>
+        <p:cNvGrpSpPr/>
+        <p:nvPr/>
+      </p:nvGrpSpPr>
+      <p:grpSpPr>
+        <a:xfrm>
+          <a:off x="0" y="0"/>
+          <a:ext cx="0" cy="0"/>
+          <a:chOff x="0" y="0"/>
+          <a:chExt cx="0" cy="0"/>
+        </a:xfrm>
+      </p:grpSpPr>
+      <p:sp>
+        <p:nvSpPr>
+          <p:cNvPr id="2" name="Title 1">
+            <a:extLst>
+              <a:ext uri="{FF2B5EF4-FFF2-40B4-BE49-F238E27FC236}">
+                <a16:creationId xmlns:a16="http://schemas.microsoft.com/office/drawing/2014/main" id="{14BAB176-CC97-CA7D-02E0-16695859D1CA}"/>
+              </a:ext>
+            </a:extLst>
+          </p:cNvPr>
+          <p:cNvSpPr>
+            <a:spLocks noGrp="1"/>
+          </p:cNvSpPr>
+          <p:nvPr>
+            <p:ph type="title"/>
+          </p:nvPr>
+        </p:nvSpPr>
+        <p:spPr/>
+        <p:txBody>
+          <a:bodyPr/>
+          <a:lstStyle/>
+          <a:p>
+            <a:r>
+              <a:rPr lang="en-IN" dirty="0"/>
+              <a:t>Aperture</a:t>
+            </a:r>
+          </a:p>
+        </p:txBody>
+      </p:sp>
+      <p:sp>
+        <p:nvSpPr>
+          <p:cNvPr id="3" name="Content Placeholder 2">
+            <a:extLst>
+              <a:ext uri="{FF2B5EF4-FFF2-40B4-BE49-F238E27FC236}">
+                <a16:creationId xmlns:a16="http://schemas.microsoft.com/office/drawing/2014/main" id="{94604663-0B0E-EF63-DB36-2558778FA607}"/>
+              </a:ext>
+            </a:extLst>
+          </p:cNvPr>
+          <p:cNvSpPr>
+            <a:spLocks noGrp="1"/>
+          </p:cNvSpPr>
+          <p:nvPr>
+            <p:ph idx="1"/>
+          </p:nvPr>
+        </p:nvSpPr>
+        <p:spPr/>
+        <p:txBody>
+          <a:bodyPr/>
+          <a:lstStyle/>
+          <a:p>
+            <a:r>
+              <a:rPr lang="en-US" dirty="0">
+                <a:hlinkClick r:id="rId2"/>
+              </a:rPr>
+              <a:t>Aperture</a:t>
+            </a:r>
+            <a:r>
+              <a:rPr lang="en-US" dirty="0"/>
+              <a:t> is the opening in the lens that lets light pass through to the sensor.</a:t>
+            </a:r>
+          </a:p>
+          <a:p>
+            <a:r>
+              <a:rPr lang="en-US" dirty="0"/>
+              <a:t>Think of it as a pupil for your lens. It dilates to let more light in, and contracts to restrict light when it is bright. </a:t>
+            </a:r>
+          </a:p>
+          <a:p>
+            <a:endParaRPr lang="en-IN" dirty="0"/>
+          </a:p>
+        </p:txBody>
+      </p:sp>
+      <p:pic>
+        <p:nvPicPr>
+          <p:cNvPr id="5" name="Picture 4">
+            <a:extLst>
+              <a:ext uri="{FF2B5EF4-FFF2-40B4-BE49-F238E27FC236}">
+                <a16:creationId xmlns:a16="http://schemas.microsoft.com/office/drawing/2014/main" id="{0666F5A8-0AE5-47A7-55C1-10A1985273D5}"/>
+              </a:ext>
+            </a:extLst>
+          </p:cNvPr>
+          <p:cNvPicPr>
+            <a:picLocks noChangeAspect="1"/>
+          </p:cNvPicPr>
+          <p:nvPr/>
+        </p:nvPicPr>
+        <p:blipFill>
+          <a:blip r:embed="rId3">
+            <a:extLst>
+              <a:ext uri="{28A0092B-C50C-407E-A947-70E740481C1C}">
+                <a14:useLocalDpi xmlns:a14="http://schemas.microsoft.com/office/drawing/2010/main" val="0"/>
+              </a:ext>
+            </a:extLst>
+          </a:blip>
+          <a:stretch>
+            <a:fillRect/>
+          </a:stretch>
+        </p:blipFill>
+        <p:spPr>
+          <a:xfrm>
+            <a:off x="2711624" y="2991929"/>
+            <a:ext cx="7680176" cy="3104071"/>
+          </a:xfrm>
+          <a:prstGeom prst="rect">
+            <a:avLst/>
+          </a:prstGeom>
+        </p:spPr>
+      </p:pic>
+    </p:spTree>
+    <p:extLst>
+      <p:ext uri="{BB962C8B-B14F-4D97-AF65-F5344CB8AC3E}">
+        <p14:creationId xmlns:p14="http://schemas.microsoft.com/office/powerpoint/2010/main" val="312179180"/>
+      </p:ext>
+    </p:extLst>
+  </p:cSld>
+  <p:clrMapOvr>
+    <a:masterClrMapping/>
+  </p:clrMapOvr>
+</p:sld>
+</file>
+
+<file path=ppt/slides/slide22.xml><?xml version="1.0" encoding="utf-8"?>
+<p:sld xmlns:a="http://schemas.openxmlformats.org/drawingml/2006/main" xmlns:r="http://schemas.openxmlformats.org/officeDocument/2006/relationships" xmlns:p="http://schemas.openxmlformats.org/presentationml/2006/main">
+  <p:cSld>
+    <p:spTree>
+      <p:nvGrpSpPr>
+        <p:cNvPr id="1" name=""/>
+        <p:cNvGrpSpPr/>
+        <p:nvPr/>
+      </p:nvGrpSpPr>
+      <p:grpSpPr>
+        <a:xfrm>
+          <a:off x="0" y="0"/>
+          <a:ext cx="0" cy="0"/>
+          <a:chOff x="0" y="0"/>
+          <a:chExt cx="0" cy="0"/>
+        </a:xfrm>
+      </p:grpSpPr>
+      <p:pic>
+        <p:nvPicPr>
+          <p:cNvPr id="5" name="Content Placeholder 4">
+            <a:extLst>
+              <a:ext uri="{FF2B5EF4-FFF2-40B4-BE49-F238E27FC236}">
+                <a16:creationId xmlns:a16="http://schemas.microsoft.com/office/drawing/2014/main" id="{C62074D3-2129-3E96-0B2D-F443D3BA9E88}"/>
+              </a:ext>
+            </a:extLst>
+          </p:cNvPr>
+          <p:cNvPicPr>
+            <a:picLocks noGrp="1" noChangeAspect="1"/>
+          </p:cNvPicPr>
+          <p:nvPr>
+            <p:ph idx="1"/>
+          </p:nvPr>
+        </p:nvPicPr>
+        <p:blipFill>
+          <a:blip r:embed="rId2">
+            <a:extLst>
+              <a:ext uri="{28A0092B-C50C-407E-A947-70E740481C1C}">
+                <a14:useLocalDpi xmlns:a14="http://schemas.microsoft.com/office/drawing/2010/main" val="0"/>
+              </a:ext>
+            </a:extLst>
+          </a:blip>
+          <a:stretch>
+            <a:fillRect/>
+          </a:stretch>
+        </p:blipFill>
+        <p:spPr>
+          <a:xfrm>
+            <a:off x="1507595" y="1617893"/>
+            <a:ext cx="4856584" cy="3237723"/>
+          </a:xfrm>
+          <a:prstGeom prst="rect">
+            <a:avLst/>
+          </a:prstGeom>
+        </p:spPr>
+      </p:pic>
+      <p:pic>
+        <p:nvPicPr>
+          <p:cNvPr id="7" name="Picture 6">
+            <a:extLst>
+              <a:ext uri="{FF2B5EF4-FFF2-40B4-BE49-F238E27FC236}">
+                <a16:creationId xmlns:a16="http://schemas.microsoft.com/office/drawing/2014/main" id="{4533A4B4-E02A-2AE0-0D6D-86E97CEC24D7}"/>
+              </a:ext>
+            </a:extLst>
+          </p:cNvPr>
+          <p:cNvPicPr>
+            <a:picLocks noChangeAspect="1"/>
+          </p:cNvPicPr>
+          <p:nvPr/>
+        </p:nvPicPr>
+        <p:blipFill>
+          <a:blip r:embed="rId3">
+            <a:extLst>
+              <a:ext uri="{28A0092B-C50C-407E-A947-70E740481C1C}">
+                <a14:useLocalDpi xmlns:a14="http://schemas.microsoft.com/office/drawing/2010/main" val="0"/>
+              </a:ext>
+            </a:extLst>
+          </a:blip>
+          <a:stretch>
+            <a:fillRect/>
+          </a:stretch>
+        </p:blipFill>
+        <p:spPr>
+          <a:xfrm>
+            <a:off x="6404285" y="1622953"/>
+            <a:ext cx="4856584" cy="3232664"/>
+          </a:xfrm>
+          <a:prstGeom prst="rect">
+            <a:avLst/>
+          </a:prstGeom>
+        </p:spPr>
+      </p:pic>
+      <p:sp>
+        <p:nvSpPr>
+          <p:cNvPr id="8" name="TextBox 7">
+            <a:extLst>
+              <a:ext uri="{FF2B5EF4-FFF2-40B4-BE49-F238E27FC236}">
+                <a16:creationId xmlns:a16="http://schemas.microsoft.com/office/drawing/2014/main" id="{BFCF2B5D-EDD6-7E60-9DA7-39D256E54F55}"/>
+              </a:ext>
+            </a:extLst>
+          </p:cNvPr>
+          <p:cNvSpPr txBox="1"/>
+          <p:nvPr/>
+        </p:nvSpPr>
+        <p:spPr>
+          <a:xfrm>
+            <a:off x="1487560" y="5085184"/>
+            <a:ext cx="4856584" cy="646331"/>
+          </a:xfrm>
+          <a:prstGeom prst="rect">
+            <a:avLst/>
+          </a:prstGeom>
+          <a:noFill/>
+        </p:spPr>
+        <p:txBody>
+          <a:bodyPr wrap="square" rtlCol="0">
+            <a:spAutoFit/>
+          </a:bodyPr>
+          <a:lstStyle/>
+          <a:p>
+            <a:r>
+              <a:rPr lang="en-US" i="1" dirty="0"/>
+              <a:t>Captured with a NIKON D800 and 24-70mm f/2.8 lens @ 24mm, ISO 200, 8/10s, f/22.0</a:t>
+            </a:r>
+            <a:endParaRPr lang="en-IN" dirty="0"/>
+          </a:p>
+        </p:txBody>
+      </p:sp>
+      <p:sp>
+        <p:nvSpPr>
+          <p:cNvPr id="9" name="TextBox 8">
+            <a:extLst>
+              <a:ext uri="{FF2B5EF4-FFF2-40B4-BE49-F238E27FC236}">
+                <a16:creationId xmlns:a16="http://schemas.microsoft.com/office/drawing/2014/main" id="{16AC3D22-2D9E-8772-D549-10D20618FB07}"/>
+              </a:ext>
+            </a:extLst>
+          </p:cNvPr>
+          <p:cNvSpPr txBox="1"/>
+          <p:nvPr/>
+        </p:nvSpPr>
+        <p:spPr>
+          <a:xfrm>
+            <a:off x="6600056" y="5085184"/>
+            <a:ext cx="4856584" cy="646331"/>
+          </a:xfrm>
+          <a:prstGeom prst="rect">
+            <a:avLst/>
+          </a:prstGeom>
+          <a:noFill/>
+        </p:spPr>
+        <p:txBody>
+          <a:bodyPr wrap="square" rtlCol="0">
+            <a:spAutoFit/>
+          </a:bodyPr>
+          <a:lstStyle/>
+          <a:p>
+            <a:r>
+              <a:rPr lang="en-US" i="1" dirty="0"/>
+              <a:t>Captured with a NIKON D500 and 17-55mm f/2.8 lens @ 22mm, ISO 200, 1/1600s, f/2.8</a:t>
+            </a:r>
+            <a:endParaRPr lang="en-IN" dirty="0"/>
+          </a:p>
+        </p:txBody>
+      </p:sp>
+    </p:spTree>
+    <p:extLst>
+      <p:ext uri="{BB962C8B-B14F-4D97-AF65-F5344CB8AC3E}">
+        <p14:creationId xmlns:p14="http://schemas.microsoft.com/office/powerpoint/2010/main" val="484128902"/>
+      </p:ext>
+    </p:extLst>
+  </p:cSld>
+  <p:clrMapOvr>
+    <a:masterClrMapping/>
+  </p:clrMapOvr>
+</p:sld>
+</file>
+
+<file path=ppt/slides/slide23.xml><?xml version="1.0" encoding="utf-8"?>
+<p:sld xmlns:a="http://schemas.openxmlformats.org/drawingml/2006/main" xmlns:r="http://schemas.openxmlformats.org/officeDocument/2006/relationships" xmlns:p="http://schemas.openxmlformats.org/presentationml/2006/main">
+  <p:cSld>
+    <p:spTree>
+      <p:nvGrpSpPr>
+        <p:cNvPr id="1" name=""/>
+        <p:cNvGrpSpPr/>
+        <p:nvPr/>
+      </p:nvGrpSpPr>
+      <p:grpSpPr>
+        <a:xfrm>
+          <a:off x="0" y="0"/>
+          <a:ext cx="0" cy="0"/>
+          <a:chOff x="0" y="0"/>
+          <a:chExt cx="0" cy="0"/>
+        </a:xfrm>
+      </p:grpSpPr>
+      <p:sp>
+        <p:nvSpPr>
+          <p:cNvPr id="2" name="Title 1">
+            <a:extLst>
+              <a:ext uri="{FF2B5EF4-FFF2-40B4-BE49-F238E27FC236}">
+                <a16:creationId xmlns:a16="http://schemas.microsoft.com/office/drawing/2014/main" id="{014A04CF-15C4-8330-6BA3-B4FFA15F0EA5}"/>
+              </a:ext>
+            </a:extLst>
+          </p:cNvPr>
+          <p:cNvSpPr>
+            <a:spLocks noGrp="1"/>
+          </p:cNvSpPr>
+          <p:nvPr>
+            <p:ph type="title"/>
+          </p:nvPr>
+        </p:nvSpPr>
+        <p:spPr/>
+        <p:txBody>
+          <a:bodyPr/>
+          <a:lstStyle/>
+          <a:p>
+            <a:r>
+              <a:rPr lang="en-IN" dirty="0"/>
+              <a:t>Camera- Subject Distance</a:t>
+            </a:r>
+          </a:p>
+        </p:txBody>
+      </p:sp>
+      <p:pic>
+        <p:nvPicPr>
+          <p:cNvPr id="5" name="Content Placeholder 4">
+            <a:extLst>
+              <a:ext uri="{FF2B5EF4-FFF2-40B4-BE49-F238E27FC236}">
+                <a16:creationId xmlns:a16="http://schemas.microsoft.com/office/drawing/2014/main" id="{31545EA1-E64A-0739-FC05-006BD7D35D69}"/>
+              </a:ext>
+            </a:extLst>
+          </p:cNvPr>
+          <p:cNvPicPr>
+            <a:picLocks noGrp="1" noChangeAspect="1"/>
+          </p:cNvPicPr>
+          <p:nvPr>
+            <p:ph idx="1"/>
+          </p:nvPr>
+        </p:nvPicPr>
+        <p:blipFill>
+          <a:blip r:embed="rId2">
+            <a:extLst>
+              <a:ext uri="{28A0092B-C50C-407E-A947-70E740481C1C}">
+                <a14:useLocalDpi xmlns:a14="http://schemas.microsoft.com/office/drawing/2010/main" val="0"/>
+              </a:ext>
+            </a:extLst>
+          </a:blip>
+          <a:stretch>
+            <a:fillRect/>
+          </a:stretch>
+        </p:blipFill>
+        <p:spPr>
+          <a:xfrm>
+            <a:off x="3724921" y="2276872"/>
+            <a:ext cx="4742158" cy="4307462"/>
+          </a:xfrm>
+          <a:prstGeom prst="rect">
+            <a:avLst/>
+          </a:prstGeom>
+        </p:spPr>
+      </p:pic>
+      <p:sp>
+        <p:nvSpPr>
+          <p:cNvPr id="7" name="TextBox 6">
+            <a:extLst>
+              <a:ext uri="{FF2B5EF4-FFF2-40B4-BE49-F238E27FC236}">
+                <a16:creationId xmlns:a16="http://schemas.microsoft.com/office/drawing/2014/main" id="{79A87CA1-23AE-49E7-3500-81008DB9341B}"/>
+              </a:ext>
+            </a:extLst>
+          </p:cNvPr>
+          <p:cNvSpPr txBox="1"/>
+          <p:nvPr/>
+        </p:nvSpPr>
+        <p:spPr>
+          <a:xfrm>
+            <a:off x="1631504" y="1806188"/>
+            <a:ext cx="6096000" cy="369332"/>
+          </a:xfrm>
+          <a:prstGeom prst="rect">
+            <a:avLst/>
+          </a:prstGeom>
+          <a:noFill/>
+        </p:spPr>
+        <p:txBody>
+          <a:bodyPr wrap="square">
+            <a:spAutoFit/>
+          </a:bodyPr>
+          <a:lstStyle/>
+          <a:p>
+            <a:r>
+              <a:rPr lang="en-US" b="0" i="0" dirty="0">
+                <a:solidFill>
+                  <a:srgbClr val="BFBFBF"/>
+                </a:solidFill>
+                <a:effectLst/>
+                <a:latin typeface="-apple-system"/>
+              </a:rPr>
+              <a:t>The shorter that distance, the smaller the depth of field.</a:t>
+            </a:r>
+            <a:endParaRPr lang="en-IN" dirty="0"/>
+          </a:p>
+        </p:txBody>
+      </p:sp>
+    </p:spTree>
+    <p:extLst>
+      <p:ext uri="{BB962C8B-B14F-4D97-AF65-F5344CB8AC3E}">
+        <p14:creationId xmlns:p14="http://schemas.microsoft.com/office/powerpoint/2010/main" val="829793420"/>
+      </p:ext>
+    </p:extLst>
+  </p:cSld>
+  <p:clrMapOvr>
+    <a:masterClrMapping/>
+  </p:clrMapOvr>
+</p:sld>
+</file>
+
+<file path=ppt/slides/slide24.xml><?xml version="1.0" encoding="utf-8"?>
+<p:sld xmlns:a="http://schemas.openxmlformats.org/drawingml/2006/main" xmlns:r="http://schemas.openxmlformats.org/officeDocument/2006/relationships" xmlns:p="http://schemas.openxmlformats.org/presentationml/2006/main">
+  <p:cSld>
+    <p:spTree>
+      <p:nvGrpSpPr>
+        <p:cNvPr id="1" name=""/>
+        <p:cNvGrpSpPr/>
+        <p:nvPr/>
+      </p:nvGrpSpPr>
+      <p:grpSpPr>
+        <a:xfrm>
+          <a:off x="0" y="0"/>
+          <a:ext cx="0" cy="0"/>
+          <a:chOff x="0" y="0"/>
+          <a:chExt cx="0" cy="0"/>
+        </a:xfrm>
+      </p:grpSpPr>
+      <p:sp>
+        <p:nvSpPr>
+          <p:cNvPr id="2" name="Title 1">
+            <a:extLst>
+              <a:ext uri="{FF2B5EF4-FFF2-40B4-BE49-F238E27FC236}">
+                <a16:creationId xmlns:a16="http://schemas.microsoft.com/office/drawing/2014/main" id="{6120A8E8-A9A6-3874-A43B-0D8B9F0E21C1}"/>
+              </a:ext>
+            </a:extLst>
+          </p:cNvPr>
+          <p:cNvSpPr>
+            <a:spLocks noGrp="1"/>
+          </p:cNvSpPr>
+          <p:nvPr>
+            <p:ph type="title"/>
+          </p:nvPr>
+        </p:nvSpPr>
+        <p:spPr/>
+        <p:txBody>
+          <a:bodyPr/>
+          <a:lstStyle/>
+          <a:p>
+            <a:r>
+              <a:rPr lang="en-IN" dirty="0"/>
+              <a:t>Telecentric Lens</a:t>
+            </a:r>
+          </a:p>
+        </p:txBody>
+      </p:sp>
+      <p:sp>
+        <p:nvSpPr>
+          <p:cNvPr id="3" name="Content Placeholder 2">
+            <a:extLst>
+              <a:ext uri="{FF2B5EF4-FFF2-40B4-BE49-F238E27FC236}">
+                <a16:creationId xmlns:a16="http://schemas.microsoft.com/office/drawing/2014/main" id="{CD899691-4739-5679-D451-0C66FE06F942}"/>
+              </a:ext>
+            </a:extLst>
+          </p:cNvPr>
+          <p:cNvSpPr>
+            <a:spLocks noGrp="1"/>
+          </p:cNvSpPr>
+          <p:nvPr>
+            <p:ph idx="1"/>
+          </p:nvPr>
+        </p:nvSpPr>
+        <p:spPr/>
+        <p:txBody>
+          <a:bodyPr/>
+          <a:lstStyle/>
+          <a:p>
+            <a:r>
+              <a:rPr lang="en-US" dirty="0"/>
+              <a:t>Telecentric lenses are designed to have a constant magnification regardless of the object's distance or location in the field of view.</a:t>
+            </a:r>
+          </a:p>
+          <a:p>
+            <a:r>
+              <a:rPr lang="en-US" dirty="0"/>
+              <a:t>This attribute is ideal for many machine vision measurement applications, as measurements of an object's dimensions will be independent of where it is located</a:t>
+            </a:r>
+            <a:r>
+              <a:rPr lang="en-IN" dirty="0"/>
+              <a:t>.</a:t>
+            </a:r>
+          </a:p>
+          <a:p>
+            <a:r>
+              <a:rPr lang="en-US" dirty="0"/>
+              <a:t>In order to achieve a telecentric lens design, all of the chief rays (rays from an off-axis point that pass through the </a:t>
+            </a:r>
+            <a:r>
+              <a:rPr lang="en-US" dirty="0" err="1"/>
+              <a:t>centre</a:t>
+            </a:r>
+            <a:r>
+              <a:rPr lang="en-US" dirty="0"/>
+              <a:t> of the aperture stop) have to be parallel to the optical axis in either image space or object space, or both.</a:t>
+            </a:r>
+          </a:p>
+        </p:txBody>
+      </p:sp>
+    </p:spTree>
+    <p:extLst>
+      <p:ext uri="{BB962C8B-B14F-4D97-AF65-F5344CB8AC3E}">
+        <p14:creationId xmlns:p14="http://schemas.microsoft.com/office/powerpoint/2010/main" val="2629671684"/>
       </p:ext>
     </p:extLst>
   </p:cSld>

--- a/Presentations/Computer Vision – Module 1.pptx
+++ b/Presentations/Computer Vision – Module 1.pptx
@@ -5,10 +5,10 @@
     <p:sldMasterId id="2147483648" r:id="rId1"/>
   </p:sldMasterIdLst>
   <p:notesMasterIdLst>
-    <p:notesMasterId r:id="rId26"/>
+    <p:notesMasterId r:id="rId27"/>
   </p:notesMasterIdLst>
   <p:handoutMasterIdLst>
-    <p:handoutMasterId r:id="rId27"/>
+    <p:handoutMasterId r:id="rId28"/>
   </p:handoutMasterIdLst>
   <p:sldIdLst>
     <p:sldId id="256" r:id="rId2"/>
@@ -35,6 +35,7 @@
     <p:sldId id="296" r:id="rId23"/>
     <p:sldId id="297" r:id="rId24"/>
     <p:sldId id="298" r:id="rId25"/>
+    <p:sldId id="299" r:id="rId26"/>
   </p:sldIdLst>
   <p:sldSz cx="12192000" cy="6858000"/>
   <p:notesSz cx="6858000" cy="9144000"/>
@@ -158,7 +159,7 @@
 <file path=ppt/revisionInfo.xml><?xml version="1.0" encoding="utf-8"?>
 <p1510:revInfo xmlns:a="http://schemas.openxmlformats.org/drawingml/2006/main" xmlns:r="http://schemas.openxmlformats.org/officeDocument/2006/relationships" xmlns:p1510="http://schemas.microsoft.com/office/powerpoint/2015/10/main">
   <p1510:revLst>
-    <p1510:client id="{39612B0D-43A0-494E-A4D4-1828271DDC57}" v="166" dt="2026-02-03T09:05:17.666"/>
+    <p1510:client id="{39612B0D-43A0-494E-A4D4-1828271DDC57}" v="167" dt="2026-02-03T10:52:44.445"/>
   </p1510:revLst>
 </p1510:revInfo>
 </file>
@@ -168,7 +169,7 @@
   <pc:docChgLst>
     <pc:chgData name="Sreejith Rajan" userId="ec11bca0e4bee75f" providerId="LiveId" clId="{7B4F392D-EAB3-4CE7-903E-F84869825F47}"/>
     <pc:docChg chg="undo custSel addSld modSld sldOrd">
-      <pc:chgData name="Sreejith Rajan" userId="ec11bca0e4bee75f" providerId="LiveId" clId="{7B4F392D-EAB3-4CE7-903E-F84869825F47}" dt="2026-02-03T09:05:27.975" v="1666" actId="20577"/>
+      <pc:chgData name="Sreejith Rajan" userId="ec11bca0e4bee75f" providerId="LiveId" clId="{7B4F392D-EAB3-4CE7-903E-F84869825F47}" dt="2026-02-03T10:52:44.445" v="1724"/>
       <pc:docMkLst>
         <pc:docMk/>
       </pc:docMkLst>
@@ -707,7 +708,7 @@
         </pc:picChg>
       </pc:sldChg>
       <pc:sldChg chg="modSp new mod">
-        <pc:chgData name="Sreejith Rajan" userId="ec11bca0e4bee75f" providerId="LiveId" clId="{7B4F392D-EAB3-4CE7-903E-F84869825F47}" dt="2026-02-03T09:05:27.975" v="1666" actId="20577"/>
+        <pc:chgData name="Sreejith Rajan" userId="ec11bca0e4bee75f" providerId="LiveId" clId="{7B4F392D-EAB3-4CE7-903E-F84869825F47}" dt="2026-02-03T10:48:56.806" v="1673" actId="5793"/>
         <pc:sldMkLst>
           <pc:docMk/>
           <pc:sldMk cId="2629671684" sldId="298"/>
@@ -721,11 +722,34 @@
           </ac:spMkLst>
         </pc:spChg>
         <pc:spChg chg="mod">
-          <ac:chgData name="Sreejith Rajan" userId="ec11bca0e4bee75f" providerId="LiveId" clId="{7B4F392D-EAB3-4CE7-903E-F84869825F47}" dt="2026-02-03T09:05:27.975" v="1666" actId="20577"/>
+          <ac:chgData name="Sreejith Rajan" userId="ec11bca0e4bee75f" providerId="LiveId" clId="{7B4F392D-EAB3-4CE7-903E-F84869825F47}" dt="2026-02-03T10:48:56.806" v="1673" actId="5793"/>
           <ac:spMkLst>
             <pc:docMk/>
             <pc:sldMk cId="2629671684" sldId="298"/>
             <ac:spMk id="3" creationId="{CD899691-4739-5679-D451-0C66FE06F942}"/>
+          </ac:spMkLst>
+        </pc:spChg>
+      </pc:sldChg>
+      <pc:sldChg chg="modSp new mod">
+        <pc:chgData name="Sreejith Rajan" userId="ec11bca0e4bee75f" providerId="LiveId" clId="{7B4F392D-EAB3-4CE7-903E-F84869825F47}" dt="2026-02-03T10:52:44.445" v="1724"/>
+        <pc:sldMkLst>
+          <pc:docMk/>
+          <pc:sldMk cId="3289453992" sldId="299"/>
+        </pc:sldMkLst>
+        <pc:spChg chg="mod">
+          <ac:chgData name="Sreejith Rajan" userId="ec11bca0e4bee75f" providerId="LiveId" clId="{7B4F392D-EAB3-4CE7-903E-F84869825F47}" dt="2026-02-03T10:49:18.055" v="1723" actId="20577"/>
+          <ac:spMkLst>
+            <pc:docMk/>
+            <pc:sldMk cId="3289453992" sldId="299"/>
+            <ac:spMk id="2" creationId="{582BD62D-958D-F163-2631-5C8C63951B71}"/>
+          </ac:spMkLst>
+        </pc:spChg>
+        <pc:spChg chg="mod">
+          <ac:chgData name="Sreejith Rajan" userId="ec11bca0e4bee75f" providerId="LiveId" clId="{7B4F392D-EAB3-4CE7-903E-F84869825F47}" dt="2026-02-03T10:52:44.445" v="1724"/>
+          <ac:spMkLst>
+            <pc:docMk/>
+            <pc:sldMk cId="3289453992" sldId="299"/>
+            <ac:spMk id="3" creationId="{CBAB42D1-DAEE-8C6D-BD98-CB21421431A1}"/>
           </ac:spMkLst>
         </pc:spChg>
       </pc:sldChg>
@@ -7485,12 +7509,107 @@
               <a:t> of the aperture stop) have to be parallel to the optical axis in either image space or object space, or both.</a:t>
             </a:r>
           </a:p>
+          <a:p>
+            <a:pPr marL="0" indent="0">
+              <a:buNone/>
+            </a:pPr>
+            <a:endParaRPr lang="en-US" dirty="0"/>
+          </a:p>
         </p:txBody>
       </p:sp>
     </p:spTree>
     <p:extLst>
       <p:ext uri="{BB962C8B-B14F-4D97-AF65-F5344CB8AC3E}">
         <p14:creationId xmlns:p14="http://schemas.microsoft.com/office/powerpoint/2010/main" val="2629671684"/>
+      </p:ext>
+    </p:extLst>
+  </p:cSld>
+  <p:clrMapOvr>
+    <a:masterClrMapping/>
+  </p:clrMapOvr>
+</p:sld>
+</file>
+
+<file path=ppt/slides/slide25.xml><?xml version="1.0" encoding="utf-8"?>
+<p:sld xmlns:a="http://schemas.openxmlformats.org/drawingml/2006/main" xmlns:r="http://schemas.openxmlformats.org/officeDocument/2006/relationships" xmlns:p="http://schemas.openxmlformats.org/presentationml/2006/main">
+  <p:cSld>
+    <p:spTree>
+      <p:nvGrpSpPr>
+        <p:cNvPr id="1" name=""/>
+        <p:cNvGrpSpPr/>
+        <p:nvPr/>
+      </p:nvGrpSpPr>
+      <p:grpSpPr>
+        <a:xfrm>
+          <a:off x="0" y="0"/>
+          <a:ext cx="0" cy="0"/>
+          <a:chOff x="0" y="0"/>
+          <a:chExt cx="0" cy="0"/>
+        </a:xfrm>
+      </p:grpSpPr>
+      <p:sp>
+        <p:nvSpPr>
+          <p:cNvPr id="2" name="Title 1">
+            <a:extLst>
+              <a:ext uri="{FF2B5EF4-FFF2-40B4-BE49-F238E27FC236}">
+                <a16:creationId xmlns:a16="http://schemas.microsoft.com/office/drawing/2014/main" id="{582BD62D-958D-F163-2631-5C8C63951B71}"/>
+              </a:ext>
+            </a:extLst>
+          </p:cNvPr>
+          <p:cNvSpPr>
+            <a:spLocks noGrp="1"/>
+          </p:cNvSpPr>
+          <p:nvPr>
+            <p:ph type="title"/>
+          </p:nvPr>
+        </p:nvSpPr>
+        <p:spPr/>
+        <p:txBody>
+          <a:bodyPr/>
+          <a:lstStyle/>
+          <a:p>
+            <a:r>
+              <a:rPr lang="en-IN" dirty="0"/>
+              <a:t>Types of Telecentric Lenses</a:t>
+            </a:r>
+          </a:p>
+        </p:txBody>
+      </p:sp>
+      <p:sp>
+        <p:nvSpPr>
+          <p:cNvPr id="3" name="Content Placeholder 2">
+            <a:extLst>
+              <a:ext uri="{FF2B5EF4-FFF2-40B4-BE49-F238E27FC236}">
+                <a16:creationId xmlns:a16="http://schemas.microsoft.com/office/drawing/2014/main" id="{CBAB42D1-DAEE-8C6D-BD98-CB21421431A1}"/>
+              </a:ext>
+            </a:extLst>
+          </p:cNvPr>
+          <p:cNvSpPr>
+            <a:spLocks noGrp="1"/>
+          </p:cNvSpPr>
+          <p:nvPr>
+            <p:ph idx="1"/>
+          </p:nvPr>
+        </p:nvSpPr>
+        <p:spPr/>
+        <p:txBody>
+          <a:bodyPr/>
+          <a:lstStyle/>
+          <a:p>
+            <a:r>
+              <a:rPr lang="en-IN">
+                <a:hlinkClick r:id="rId2"/>
+              </a:rPr>
+              <a:t>Thorlabs · Telecentric Lenses Tutorial</a:t>
+            </a:r>
+            <a:endParaRPr lang="en-IN"/>
+          </a:p>
+        </p:txBody>
+      </p:sp>
+    </p:spTree>
+    <p:extLst>
+      <p:ext uri="{BB962C8B-B14F-4D97-AF65-F5344CB8AC3E}">
+        <p14:creationId xmlns:p14="http://schemas.microsoft.com/office/powerpoint/2010/main" val="3289453992"/>
       </p:ext>
     </p:extLst>
   </p:cSld>
